--- a/doc/Presentation team Geodan.pptx
+++ b/doc/Presentation team Geodan.pptx
@@ -8,16 +8,18 @@
     <p:sldId id="256" r:id="rId2"/>
     <p:sldId id="257" r:id="rId3"/>
     <p:sldId id="258" r:id="rId4"/>
-    <p:sldId id="262" r:id="rId5"/>
-    <p:sldId id="263" r:id="rId6"/>
-    <p:sldId id="259" r:id="rId7"/>
-    <p:sldId id="260" r:id="rId8"/>
-    <p:sldId id="261" r:id="rId9"/>
-    <p:sldId id="264" r:id="rId10"/>
-    <p:sldId id="265" r:id="rId11"/>
-    <p:sldId id="268" r:id="rId12"/>
-    <p:sldId id="266" r:id="rId13"/>
-    <p:sldId id="267" r:id="rId14"/>
+    <p:sldId id="269" r:id="rId5"/>
+    <p:sldId id="270" r:id="rId6"/>
+    <p:sldId id="262" r:id="rId7"/>
+    <p:sldId id="263" r:id="rId8"/>
+    <p:sldId id="259" r:id="rId9"/>
+    <p:sldId id="260" r:id="rId10"/>
+    <p:sldId id="261" r:id="rId11"/>
+    <p:sldId id="264" r:id="rId12"/>
+    <p:sldId id="265" r:id="rId13"/>
+    <p:sldId id="268" r:id="rId14"/>
+    <p:sldId id="266" r:id="rId15"/>
+    <p:sldId id="267" r:id="rId16"/>
   </p:sldIdLst>
   <p:sldSz cx="12192000" cy="6858000"/>
   <p:notesSz cx="6858000" cy="9144000"/>
@@ -116,6 +118,11 @@
       </a:defRPr>
     </a:lvl9pPr>
   </p:defaultTextStyle>
+  <p:extLst>
+    <p:ext uri="{EFAFB233-063F-42B5-8137-9DF3F51BA10A}">
+      <p15:sldGuideLst xmlns:p15="http://schemas.microsoft.com/office/powerpoint/2012/main"/>
+    </p:ext>
+  </p:extLst>
 </p:presentation>
 </file>
 
@@ -3069,1147 +3076,6 @@
           <a:p>
             <a:r>
               <a:rPr lang="en-US" dirty="0" smtClean="0"/>
-              <a:t>Techniques</a:t>
-            </a:r>
-            <a:endParaRPr lang="nl-NL" dirty="0"/>
-          </a:p>
-        </p:txBody>
-      </p:sp>
-      <p:sp>
-        <p:nvSpPr>
-          <p:cNvPr id="3" name="Content Placeholder 2"/>
-          <p:cNvSpPr>
-            <a:spLocks noGrp="1"/>
-          </p:cNvSpPr>
-          <p:nvPr>
-            <p:ph idx="1"/>
-          </p:nvPr>
-        </p:nvSpPr>
-        <p:spPr/>
-        <p:txBody>
-          <a:bodyPr/>
-          <a:lstStyle/>
-          <a:p>
-            <a:r>
-              <a:rPr lang="en-US" dirty="0" smtClean="0"/>
-              <a:t>Database: PostgreSQL + </a:t>
-            </a:r>
-            <a:r>
-              <a:rPr lang="en-US" dirty="0" err="1" smtClean="0"/>
-              <a:t>PostGIS</a:t>
-            </a:r>
-            <a:endParaRPr lang="en-US" dirty="0" smtClean="0"/>
-          </a:p>
-          <a:p>
-            <a:r>
-              <a:rPr lang="en-US" dirty="0" err="1" smtClean="0"/>
-              <a:t>Webservices</a:t>
-            </a:r>
-            <a:r>
-              <a:rPr lang="en-US" dirty="0" smtClean="0"/>
-              <a:t>: ASP.NET Web API</a:t>
-            </a:r>
-          </a:p>
-          <a:p>
-            <a:r>
-              <a:rPr lang="en-US" dirty="0" smtClean="0"/>
-              <a:t>Map: </a:t>
-            </a:r>
-            <a:r>
-              <a:rPr lang="en-US" dirty="0" err="1" smtClean="0"/>
-              <a:t>Geoserver</a:t>
-            </a:r>
-            <a:endParaRPr lang="en-US" dirty="0" smtClean="0"/>
-          </a:p>
-          <a:p>
-            <a:r>
-              <a:rPr lang="en-US" dirty="0" smtClean="0"/>
-              <a:t>Desktop: WPF + </a:t>
-            </a:r>
-            <a:r>
-              <a:rPr lang="en-US" dirty="0" err="1" smtClean="0"/>
-              <a:t>Mapsui</a:t>
-            </a:r>
-            <a:endParaRPr lang="nl-NL" dirty="0"/>
-          </a:p>
-        </p:txBody>
-      </p:sp>
-    </p:spTree>
-    <p:extLst>
-      <p:ext uri="{BB962C8B-B14F-4D97-AF65-F5344CB8AC3E}">
-        <p14:creationId xmlns:p14="http://schemas.microsoft.com/office/powerpoint/2010/main" val="3082999219"/>
-      </p:ext>
-    </p:extLst>
-  </p:cSld>
-  <p:clrMapOvr>
-    <a:masterClrMapping/>
-  </p:clrMapOvr>
-</p:sld>
-</file>
-
-<file path=ppt/slides/slide11.xml><?xml version="1.0" encoding="utf-8"?>
-<p:sld xmlns:a="http://schemas.openxmlformats.org/drawingml/2006/main" xmlns:r="http://schemas.openxmlformats.org/officeDocument/2006/relationships" xmlns:p="http://schemas.openxmlformats.org/presentationml/2006/main">
-  <p:cSld>
-    <p:spTree>
-      <p:nvGrpSpPr>
-        <p:cNvPr id="1" name=""/>
-        <p:cNvGrpSpPr/>
-        <p:nvPr/>
-      </p:nvGrpSpPr>
-      <p:grpSpPr>
-        <a:xfrm>
-          <a:off x="0" y="0"/>
-          <a:ext cx="0" cy="0"/>
-          <a:chOff x="0" y="0"/>
-          <a:chExt cx="0" cy="0"/>
-        </a:xfrm>
-      </p:grpSpPr>
-      <p:sp>
-        <p:nvSpPr>
-          <p:cNvPr id="2" name="Title 1"/>
-          <p:cNvSpPr>
-            <a:spLocks noGrp="1"/>
-          </p:cNvSpPr>
-          <p:nvPr>
-            <p:ph type="title"/>
-          </p:nvPr>
-        </p:nvSpPr>
-        <p:spPr/>
-        <p:txBody>
-          <a:bodyPr/>
-          <a:lstStyle/>
-          <a:p>
-            <a:r>
-              <a:rPr lang="en-US" dirty="0" smtClean="0"/>
-              <a:t>Future improvements</a:t>
-            </a:r>
-            <a:endParaRPr lang="nl-NL" dirty="0"/>
-          </a:p>
-        </p:txBody>
-      </p:sp>
-      <p:sp>
-        <p:nvSpPr>
-          <p:cNvPr id="3" name="Content Placeholder 2"/>
-          <p:cNvSpPr>
-            <a:spLocks noGrp="1"/>
-          </p:cNvSpPr>
-          <p:nvPr>
-            <p:ph idx="1"/>
-          </p:nvPr>
-        </p:nvSpPr>
-        <p:spPr/>
-        <p:txBody>
-          <a:bodyPr/>
-          <a:lstStyle/>
-          <a:p>
-            <a:r>
-              <a:rPr lang="en-US" dirty="0" smtClean="0"/>
-              <a:t>Display more data </a:t>
-            </a:r>
-          </a:p>
-          <a:p>
-            <a:r>
-              <a:rPr lang="en-US" dirty="0" smtClean="0"/>
-              <a:t>Extend intake form</a:t>
-            </a:r>
-          </a:p>
-          <a:p>
-            <a:r>
-              <a:rPr lang="en-US" dirty="0" smtClean="0"/>
-              <a:t>Store incident information</a:t>
-            </a:r>
-          </a:p>
-          <a:p>
-            <a:r>
-              <a:rPr lang="en-US" dirty="0" smtClean="0"/>
-              <a:t>Add more rules and notifications</a:t>
-            </a:r>
-            <a:endParaRPr lang="nl-NL" dirty="0"/>
-          </a:p>
-        </p:txBody>
-      </p:sp>
-    </p:spTree>
-    <p:extLst>
-      <p:ext uri="{BB962C8B-B14F-4D97-AF65-F5344CB8AC3E}">
-        <p14:creationId xmlns:p14="http://schemas.microsoft.com/office/powerpoint/2010/main" val="1027712373"/>
-      </p:ext>
-    </p:extLst>
-  </p:cSld>
-  <p:clrMapOvr>
-    <a:masterClrMapping/>
-  </p:clrMapOvr>
-</p:sld>
-</file>
-
-<file path=ppt/slides/slide12.xml><?xml version="1.0" encoding="utf-8"?>
-<p:sld xmlns:a="http://schemas.openxmlformats.org/drawingml/2006/main" xmlns:r="http://schemas.openxmlformats.org/officeDocument/2006/relationships" xmlns:p="http://schemas.openxmlformats.org/presentationml/2006/main">
-  <p:cSld>
-    <p:spTree>
-      <p:nvGrpSpPr>
-        <p:cNvPr id="1" name=""/>
-        <p:cNvGrpSpPr/>
-        <p:nvPr/>
-      </p:nvGrpSpPr>
-      <p:grpSpPr>
-        <a:xfrm>
-          <a:off x="0" y="0"/>
-          <a:ext cx="0" cy="0"/>
-          <a:chOff x="0" y="0"/>
-          <a:chExt cx="0" cy="0"/>
-        </a:xfrm>
-      </p:grpSpPr>
-      <p:sp>
-        <p:nvSpPr>
-          <p:cNvPr id="2" name="Title 1"/>
-          <p:cNvSpPr>
-            <a:spLocks noGrp="1"/>
-          </p:cNvSpPr>
-          <p:nvPr>
-            <p:ph type="title"/>
-          </p:nvPr>
-        </p:nvSpPr>
-        <p:spPr/>
-        <p:txBody>
-          <a:bodyPr/>
-          <a:lstStyle/>
-          <a:p>
-            <a:r>
-              <a:rPr lang="en-US" dirty="0" smtClean="0"/>
-              <a:t>Demo!</a:t>
-            </a:r>
-            <a:endParaRPr lang="nl-NL" dirty="0"/>
-          </a:p>
-        </p:txBody>
-      </p:sp>
-      <p:sp>
-        <p:nvSpPr>
-          <p:cNvPr id="3" name="Content Placeholder 2"/>
-          <p:cNvSpPr>
-            <a:spLocks noGrp="1"/>
-          </p:cNvSpPr>
-          <p:nvPr>
-            <p:ph idx="1"/>
-          </p:nvPr>
-        </p:nvSpPr>
-        <p:spPr/>
-        <p:txBody>
-          <a:bodyPr/>
-          <a:lstStyle/>
-          <a:p>
-            <a:r>
-              <a:rPr lang="en-US" dirty="0" smtClean="0"/>
-              <a:t>Intake incident</a:t>
-            </a:r>
-          </a:p>
-          <a:p>
-            <a:r>
-              <a:rPr lang="en-US" dirty="0" smtClean="0"/>
-              <a:t>Visualize incident</a:t>
-            </a:r>
-          </a:p>
-          <a:p>
-            <a:r>
-              <a:rPr lang="en-US" dirty="0" smtClean="0"/>
-              <a:t>Send SMS notifications</a:t>
-            </a:r>
-          </a:p>
-          <a:p>
-            <a:pPr marL="0" indent="0">
-              <a:buNone/>
-            </a:pPr>
-            <a:endParaRPr lang="en-US" dirty="0"/>
-          </a:p>
-          <a:p>
-            <a:pPr marL="0" indent="0">
-              <a:buNone/>
-            </a:pPr>
-            <a:endParaRPr lang="nl-NL" dirty="0"/>
-          </a:p>
-        </p:txBody>
-      </p:sp>
-    </p:spTree>
-    <p:extLst>
-      <p:ext uri="{BB962C8B-B14F-4D97-AF65-F5344CB8AC3E}">
-        <p14:creationId xmlns:p14="http://schemas.microsoft.com/office/powerpoint/2010/main" val="2152277293"/>
-      </p:ext>
-    </p:extLst>
-  </p:cSld>
-  <p:clrMapOvr>
-    <a:masterClrMapping/>
-  </p:clrMapOvr>
-</p:sld>
-</file>
-
-<file path=ppt/slides/slide13.xml><?xml version="1.0" encoding="utf-8"?>
-<p:sld xmlns:a="http://schemas.openxmlformats.org/drawingml/2006/main" xmlns:r="http://schemas.openxmlformats.org/officeDocument/2006/relationships" xmlns:p="http://schemas.openxmlformats.org/presentationml/2006/main">
-  <p:cSld>
-    <p:spTree>
-      <p:nvGrpSpPr>
-        <p:cNvPr id="1" name=""/>
-        <p:cNvGrpSpPr/>
-        <p:nvPr/>
-      </p:nvGrpSpPr>
-      <p:grpSpPr>
-        <a:xfrm>
-          <a:off x="0" y="0"/>
-          <a:ext cx="0" cy="0"/>
-          <a:chOff x="0" y="0"/>
-          <a:chExt cx="0" cy="0"/>
-        </a:xfrm>
-      </p:grpSpPr>
-      <p:sp>
-        <p:nvSpPr>
-          <p:cNvPr id="2" name="Title 1"/>
-          <p:cNvSpPr>
-            <a:spLocks noGrp="1"/>
-          </p:cNvSpPr>
-          <p:nvPr>
-            <p:ph type="title"/>
-          </p:nvPr>
-        </p:nvSpPr>
-        <p:spPr/>
-        <p:txBody>
-          <a:bodyPr/>
-          <a:lstStyle/>
-          <a:p>
-            <a:r>
-              <a:rPr lang="en-US" dirty="0" smtClean="0"/>
-              <a:t>Thanks!</a:t>
-            </a:r>
-            <a:endParaRPr lang="nl-NL" dirty="0"/>
-          </a:p>
-        </p:txBody>
-      </p:sp>
-      <p:sp>
-        <p:nvSpPr>
-          <p:cNvPr id="3" name="Content Placeholder 2"/>
-          <p:cNvSpPr>
-            <a:spLocks noGrp="1"/>
-          </p:cNvSpPr>
-          <p:nvPr>
-            <p:ph idx="1"/>
-          </p:nvPr>
-        </p:nvSpPr>
-        <p:spPr/>
-        <p:txBody>
-          <a:bodyPr/>
-          <a:lstStyle/>
-          <a:p>
-            <a:r>
-              <a:rPr lang="en-US" dirty="0" smtClean="0"/>
-              <a:t>Tim Ebben</a:t>
-            </a:r>
-            <a:endParaRPr lang="en-US" dirty="0" smtClean="0"/>
-          </a:p>
-          <a:p>
-            <a:pPr marL="0" indent="0">
-              <a:buNone/>
-            </a:pPr>
-            <a:r>
-              <a:rPr lang="en-US" dirty="0" smtClean="0">
-                <a:hlinkClick r:id="rId2"/>
-              </a:rPr>
-              <a:t>Tim.ebben</a:t>
-            </a:r>
-            <a:r>
-              <a:rPr lang="en-US" dirty="0" smtClean="0">
-                <a:hlinkClick r:id="rId2"/>
-              </a:rPr>
-              <a:t>@geodan.nl</a:t>
-            </a:r>
-            <a:endParaRPr lang="en-US" dirty="0" smtClean="0"/>
-          </a:p>
-          <a:p>
-            <a:pPr marL="0" indent="0">
-              <a:buNone/>
-            </a:pPr>
-            <a:r>
-              <a:rPr lang="en-US" dirty="0" smtClean="0"/>
-              <a:t>www.twitter.com/timebben</a:t>
-            </a:r>
-            <a:endParaRPr lang="nl-NL" dirty="0" smtClean="0"/>
-          </a:p>
-          <a:p>
-            <a:pPr marL="0" indent="0">
-              <a:buNone/>
-            </a:pPr>
-            <a:endParaRPr lang="en-US" dirty="0" smtClean="0"/>
-          </a:p>
-          <a:p>
-            <a:r>
-              <a:rPr lang="en-US" dirty="0" smtClean="0"/>
-              <a:t>Bert Temme</a:t>
-            </a:r>
-          </a:p>
-          <a:p>
-            <a:pPr marL="0" indent="0">
-              <a:buNone/>
-            </a:pPr>
-            <a:r>
-              <a:rPr lang="en-US" dirty="0" smtClean="0">
-                <a:hlinkClick r:id="rId3"/>
-              </a:rPr>
-              <a:t>Bert.temme@geodan.nl</a:t>
-            </a:r>
-            <a:endParaRPr lang="en-US" dirty="0" smtClean="0"/>
-          </a:p>
-          <a:p>
-            <a:pPr marL="0" indent="0">
-              <a:buNone/>
-            </a:pPr>
-            <a:r>
-              <a:rPr lang="en-US" dirty="0" smtClean="0"/>
-              <a:t>www.twitter.com/berttemme</a:t>
-            </a:r>
-            <a:endParaRPr lang="nl-NL" dirty="0"/>
-          </a:p>
-        </p:txBody>
-      </p:sp>
-    </p:spTree>
-    <p:extLst>
-      <p:ext uri="{BB962C8B-B14F-4D97-AF65-F5344CB8AC3E}">
-        <p14:creationId xmlns:p14="http://schemas.microsoft.com/office/powerpoint/2010/main" val="496778926"/>
-      </p:ext>
-    </p:extLst>
-  </p:cSld>
-  <p:clrMapOvr>
-    <a:masterClrMapping/>
-  </p:clrMapOvr>
-</p:sld>
-</file>
-
-<file path=ppt/slides/slide2.xml><?xml version="1.0" encoding="utf-8"?>
-<p:sld xmlns:a="http://schemas.openxmlformats.org/drawingml/2006/main" xmlns:r="http://schemas.openxmlformats.org/officeDocument/2006/relationships" xmlns:p="http://schemas.openxmlformats.org/presentationml/2006/main">
-  <p:cSld>
-    <p:spTree>
-      <p:nvGrpSpPr>
-        <p:cNvPr id="1" name=""/>
-        <p:cNvGrpSpPr/>
-        <p:nvPr/>
-      </p:nvGrpSpPr>
-      <p:grpSpPr>
-        <a:xfrm>
-          <a:off x="0" y="0"/>
-          <a:ext cx="0" cy="0"/>
-          <a:chOff x="0" y="0"/>
-          <a:chExt cx="0" cy="0"/>
-        </a:xfrm>
-      </p:grpSpPr>
-      <p:sp>
-        <p:nvSpPr>
-          <p:cNvPr id="2" name="Title 1"/>
-          <p:cNvSpPr>
-            <a:spLocks noGrp="1"/>
-          </p:cNvSpPr>
-          <p:nvPr>
-            <p:ph type="title"/>
-          </p:nvPr>
-        </p:nvSpPr>
-        <p:spPr>
-          <a:xfrm>
-            <a:off x="2071777" y="503148"/>
-            <a:ext cx="6796177" cy="1325563"/>
-          </a:xfrm>
-        </p:spPr>
-        <p:txBody>
-          <a:bodyPr/>
-          <a:lstStyle/>
-          <a:p>
-            <a:r>
-              <a:rPr lang="en-US" dirty="0" smtClean="0"/>
-              <a:t>Who?</a:t>
-            </a:r>
-            <a:endParaRPr lang="nl-NL" dirty="0"/>
-          </a:p>
-        </p:txBody>
-      </p:sp>
-      <p:sp>
-        <p:nvSpPr>
-          <p:cNvPr id="3" name="Content Placeholder 2"/>
-          <p:cNvSpPr>
-            <a:spLocks noGrp="1"/>
-          </p:cNvSpPr>
-          <p:nvPr>
-            <p:ph idx="1"/>
-          </p:nvPr>
-        </p:nvSpPr>
-        <p:spPr>
-          <a:xfrm>
-            <a:off x="2071777" y="2489859"/>
-            <a:ext cx="6252713" cy="2927530"/>
-          </a:xfrm>
-        </p:spPr>
-        <p:txBody>
-          <a:bodyPr/>
-          <a:lstStyle/>
-          <a:p>
-            <a:r>
-              <a:rPr lang="en-US" dirty="0" smtClean="0"/>
-              <a:t>Geodan </a:t>
-            </a:r>
-            <a:r>
-              <a:rPr lang="en-US" dirty="0" smtClean="0">
-                <a:hlinkClick r:id="rId2"/>
-              </a:rPr>
-              <a:t>http://www.geodan.nl</a:t>
-            </a:r>
-            <a:endParaRPr lang="en-US" dirty="0" smtClean="0"/>
-          </a:p>
-          <a:p>
-            <a:r>
-              <a:rPr lang="en-US" dirty="0" smtClean="0"/>
-              <a:t>Tim Ebben (research department) tim.ebben@geodan.nl</a:t>
-            </a:r>
-          </a:p>
-          <a:p>
-            <a:r>
-              <a:rPr lang="en-US" dirty="0" smtClean="0"/>
-              <a:t>Bert Temme (research department)</a:t>
-            </a:r>
-          </a:p>
-          <a:p>
-            <a:pPr marL="0" indent="0">
-              <a:buNone/>
-            </a:pPr>
-            <a:r>
-              <a:rPr lang="en-US" dirty="0" smtClean="0"/>
-              <a:t>   bert.temme@geodan.nl</a:t>
-            </a:r>
-            <a:endParaRPr lang="nl-NL" dirty="0"/>
-          </a:p>
-        </p:txBody>
-      </p:sp>
-    </p:spTree>
-    <p:extLst>
-      <p:ext uri="{BB962C8B-B14F-4D97-AF65-F5344CB8AC3E}">
-        <p14:creationId xmlns:p14="http://schemas.microsoft.com/office/powerpoint/2010/main" val="3783832074"/>
-      </p:ext>
-    </p:extLst>
-  </p:cSld>
-  <p:clrMapOvr>
-    <a:masterClrMapping/>
-  </p:clrMapOvr>
-</p:sld>
-</file>
-
-<file path=ppt/slides/slide3.xml><?xml version="1.0" encoding="utf-8"?>
-<p:sld xmlns:a="http://schemas.openxmlformats.org/drawingml/2006/main" xmlns:r="http://schemas.openxmlformats.org/officeDocument/2006/relationships" xmlns:p="http://schemas.openxmlformats.org/presentationml/2006/main">
-  <p:cSld>
-    <p:spTree>
-      <p:nvGrpSpPr>
-        <p:cNvPr id="1" name=""/>
-        <p:cNvGrpSpPr/>
-        <p:nvPr/>
-      </p:nvGrpSpPr>
-      <p:grpSpPr>
-        <a:xfrm>
-          <a:off x="0" y="0"/>
-          <a:ext cx="0" cy="0"/>
-          <a:chOff x="0" y="0"/>
-          <a:chExt cx="0" cy="0"/>
-        </a:xfrm>
-      </p:grpSpPr>
-      <p:sp>
-        <p:nvSpPr>
-          <p:cNvPr id="2" name="Title 1"/>
-          <p:cNvSpPr>
-            <a:spLocks noGrp="1"/>
-          </p:cNvSpPr>
-          <p:nvPr>
-            <p:ph type="title"/>
-          </p:nvPr>
-        </p:nvSpPr>
-        <p:spPr/>
-        <p:txBody>
-          <a:bodyPr/>
-          <a:lstStyle/>
-          <a:p>
-            <a:r>
-              <a:rPr lang="en-US" dirty="0" smtClean="0"/>
-              <a:t>What?</a:t>
-            </a:r>
-            <a:endParaRPr lang="nl-NL" dirty="0"/>
-          </a:p>
-        </p:txBody>
-      </p:sp>
-      <p:sp>
-        <p:nvSpPr>
-          <p:cNvPr id="3" name="Content Placeholder 2"/>
-          <p:cNvSpPr>
-            <a:spLocks noGrp="1"/>
-          </p:cNvSpPr>
-          <p:nvPr>
-            <p:ph idx="1"/>
-          </p:nvPr>
-        </p:nvSpPr>
-        <p:spPr/>
-        <p:txBody>
-          <a:bodyPr/>
-          <a:lstStyle/>
-          <a:p>
-            <a:r>
-              <a:rPr lang="en-US" dirty="0" smtClean="0"/>
-              <a:t>Incident Management Application for Control Room</a:t>
-            </a:r>
-          </a:p>
-          <a:p>
-            <a:endParaRPr lang="en-US" dirty="0" smtClean="0"/>
-          </a:p>
-          <a:p>
-            <a:r>
-              <a:rPr lang="en-US" dirty="0" smtClean="0"/>
-              <a:t>Features: </a:t>
-            </a:r>
-          </a:p>
-          <a:p>
-            <a:r>
-              <a:rPr lang="en-US" dirty="0" smtClean="0"/>
-              <a:t>Intake incident </a:t>
-            </a:r>
-          </a:p>
-          <a:p>
-            <a:r>
-              <a:rPr lang="en-US" dirty="0"/>
-              <a:t>V</a:t>
-            </a:r>
-            <a:r>
-              <a:rPr lang="en-US" dirty="0" smtClean="0"/>
-              <a:t>isualize incident in map</a:t>
-            </a:r>
-          </a:p>
-          <a:p>
-            <a:r>
-              <a:rPr lang="en-US" dirty="0" err="1" smtClean="0"/>
-              <a:t>Analyse</a:t>
-            </a:r>
-            <a:r>
-              <a:rPr lang="en-US" dirty="0" smtClean="0"/>
-              <a:t> incident</a:t>
-            </a:r>
-          </a:p>
-          <a:p>
-            <a:r>
-              <a:rPr lang="en-US" dirty="0" err="1" smtClean="0"/>
-              <a:t>Notificate</a:t>
-            </a:r>
-            <a:r>
-              <a:rPr lang="en-US" dirty="0" smtClean="0"/>
-              <a:t> people </a:t>
-            </a:r>
-          </a:p>
-          <a:p>
-            <a:pPr marL="0" indent="0">
-              <a:buNone/>
-            </a:pPr>
-            <a:endParaRPr lang="en-US" dirty="0"/>
-          </a:p>
-          <a:p>
-            <a:pPr marL="0" indent="0">
-              <a:buNone/>
-            </a:pPr>
-            <a:endParaRPr lang="nl-NL" dirty="0"/>
-          </a:p>
-        </p:txBody>
-      </p:sp>
-    </p:spTree>
-    <p:extLst>
-      <p:ext uri="{BB962C8B-B14F-4D97-AF65-F5344CB8AC3E}">
-        <p14:creationId xmlns:p14="http://schemas.microsoft.com/office/powerpoint/2010/main" val="3083622143"/>
-      </p:ext>
-    </p:extLst>
-  </p:cSld>
-  <p:clrMapOvr>
-    <a:masterClrMapping/>
-  </p:clrMapOvr>
-</p:sld>
-</file>
-
-<file path=ppt/slides/slide4.xml><?xml version="1.0" encoding="utf-8"?>
-<p:sld xmlns:a="http://schemas.openxmlformats.org/drawingml/2006/main" xmlns:r="http://schemas.openxmlformats.org/officeDocument/2006/relationships" xmlns:p="http://schemas.openxmlformats.org/presentationml/2006/main">
-  <p:cSld>
-    <p:spTree>
-      <p:nvGrpSpPr>
-        <p:cNvPr id="1" name=""/>
-        <p:cNvGrpSpPr/>
-        <p:nvPr/>
-      </p:nvGrpSpPr>
-      <p:grpSpPr>
-        <a:xfrm>
-          <a:off x="0" y="0"/>
-          <a:ext cx="0" cy="0"/>
-          <a:chOff x="0" y="0"/>
-          <a:chExt cx="0" cy="0"/>
-        </a:xfrm>
-      </p:grpSpPr>
-      <p:sp>
-        <p:nvSpPr>
-          <p:cNvPr id="2" name="Title 1"/>
-          <p:cNvSpPr>
-            <a:spLocks noGrp="1"/>
-          </p:cNvSpPr>
-          <p:nvPr>
-            <p:ph type="title"/>
-          </p:nvPr>
-        </p:nvSpPr>
-        <p:spPr/>
-        <p:txBody>
-          <a:bodyPr/>
-          <a:lstStyle/>
-          <a:p>
-            <a:r>
-              <a:rPr lang="en-US" dirty="0" err="1" smtClean="0"/>
-              <a:t>ProRail</a:t>
-            </a:r>
-            <a:r>
-              <a:rPr lang="en-US" dirty="0" smtClean="0"/>
-              <a:t> </a:t>
-            </a:r>
-            <a:r>
-              <a:rPr lang="en-US" dirty="0" err="1" smtClean="0"/>
-              <a:t>SpoorWeb</a:t>
-            </a:r>
-            <a:endParaRPr lang="nl-NL" dirty="0"/>
-          </a:p>
-        </p:txBody>
-      </p:sp>
-      <p:sp>
-        <p:nvSpPr>
-          <p:cNvPr id="3" name="Content Placeholder 2"/>
-          <p:cNvSpPr>
-            <a:spLocks noGrp="1"/>
-          </p:cNvSpPr>
-          <p:nvPr>
-            <p:ph idx="1"/>
-          </p:nvPr>
-        </p:nvSpPr>
-        <p:spPr/>
-        <p:txBody>
-          <a:bodyPr/>
-          <a:lstStyle/>
-          <a:p>
-            <a:endParaRPr lang="en-US" dirty="0"/>
-          </a:p>
-          <a:p>
-            <a:endParaRPr lang="nl-NL" dirty="0"/>
-          </a:p>
-        </p:txBody>
-      </p:sp>
-      <p:pic>
-        <p:nvPicPr>
-          <p:cNvPr id="4" name="Picture 3"/>
-          <p:cNvPicPr>
-            <a:picLocks noChangeAspect="1"/>
-          </p:cNvPicPr>
-          <p:nvPr/>
-        </p:nvPicPr>
-        <p:blipFill>
-          <a:blip r:embed="rId2">
-            <a:extLst>
-              <a:ext uri="{28A0092B-C50C-407E-A947-70E740481C1C}">
-                <a14:useLocalDpi xmlns:a14="http://schemas.microsoft.com/office/drawing/2010/main" val="0"/>
-              </a:ext>
-            </a:extLst>
-          </a:blip>
-          <a:stretch>
-            <a:fillRect/>
-          </a:stretch>
-        </p:blipFill>
-        <p:spPr>
-          <a:xfrm>
-            <a:off x="683422" y="1423359"/>
-            <a:ext cx="8175906" cy="4596676"/>
-          </a:xfrm>
-          <a:prstGeom prst="rect">
-            <a:avLst/>
-          </a:prstGeom>
-        </p:spPr>
-      </p:pic>
-      <p:sp>
-        <p:nvSpPr>
-          <p:cNvPr id="5" name="TextBox 4"/>
-          <p:cNvSpPr txBox="1"/>
-          <p:nvPr/>
-        </p:nvSpPr>
-        <p:spPr>
-          <a:xfrm>
-            <a:off x="838200" y="6176963"/>
-            <a:ext cx="8153194" cy="646331"/>
-          </a:xfrm>
-          <a:prstGeom prst="rect">
-            <a:avLst/>
-          </a:prstGeom>
-          <a:noFill/>
-        </p:spPr>
-        <p:txBody>
-          <a:bodyPr wrap="none" rtlCol="0">
-            <a:spAutoFit/>
-          </a:bodyPr>
-          <a:lstStyle/>
-          <a:p>
-            <a:r>
-              <a:rPr lang="en-US" dirty="0" smtClean="0"/>
-              <a:t>More info: </a:t>
-            </a:r>
-            <a:r>
-              <a:rPr lang="en-US" dirty="0" smtClean="0">
-                <a:hlinkClick r:id="rId3"/>
-              </a:rPr>
-              <a:t>http://www.geodan.com/solutions/incident-management-system-prorail/</a:t>
-            </a:r>
-            <a:endParaRPr lang="en-US" dirty="0" smtClean="0"/>
-          </a:p>
-          <a:p>
-            <a:endParaRPr lang="nl-NL" dirty="0"/>
-          </a:p>
-        </p:txBody>
-      </p:sp>
-    </p:spTree>
-    <p:extLst>
-      <p:ext uri="{BB962C8B-B14F-4D97-AF65-F5344CB8AC3E}">
-        <p14:creationId xmlns:p14="http://schemas.microsoft.com/office/powerpoint/2010/main" val="3742308755"/>
-      </p:ext>
-    </p:extLst>
-  </p:cSld>
-  <p:clrMapOvr>
-    <a:masterClrMapping/>
-  </p:clrMapOvr>
-</p:sld>
-</file>
-
-<file path=ppt/slides/slide5.xml><?xml version="1.0" encoding="utf-8"?>
-<p:sld xmlns:a="http://schemas.openxmlformats.org/drawingml/2006/main" xmlns:r="http://schemas.openxmlformats.org/officeDocument/2006/relationships" xmlns:p="http://schemas.openxmlformats.org/presentationml/2006/main">
-  <p:cSld>
-    <p:spTree>
-      <p:nvGrpSpPr>
-        <p:cNvPr id="1" name=""/>
-        <p:cNvGrpSpPr/>
-        <p:nvPr/>
-      </p:nvGrpSpPr>
-      <p:grpSpPr>
-        <a:xfrm>
-          <a:off x="0" y="0"/>
-          <a:ext cx="0" cy="0"/>
-          <a:chOff x="0" y="0"/>
-          <a:chExt cx="0" cy="0"/>
-        </a:xfrm>
-      </p:grpSpPr>
-      <p:sp>
-        <p:nvSpPr>
-          <p:cNvPr id="2" name="Title 1"/>
-          <p:cNvSpPr>
-            <a:spLocks noGrp="1"/>
-          </p:cNvSpPr>
-          <p:nvPr>
-            <p:ph type="title"/>
-          </p:nvPr>
-        </p:nvSpPr>
-        <p:spPr/>
-        <p:txBody>
-          <a:bodyPr/>
-          <a:lstStyle/>
-          <a:p>
-            <a:r>
-              <a:rPr lang="nl-NL" dirty="0" smtClean="0">
-                <a:effectLst/>
-              </a:rPr>
-              <a:t>Spoorweb at Rail Operating Centre (ROC) in York</a:t>
-            </a:r>
-            <a:endParaRPr lang="nl-NL" dirty="0"/>
-          </a:p>
-        </p:txBody>
-      </p:sp>
-      <p:pic>
-        <p:nvPicPr>
-          <p:cNvPr id="4" name="Picture 3"/>
-          <p:cNvPicPr>
-            <a:picLocks noChangeAspect="1"/>
-          </p:cNvPicPr>
-          <p:nvPr/>
-        </p:nvPicPr>
-        <p:blipFill>
-          <a:blip r:embed="rId2">
-            <a:extLst>
-              <a:ext uri="{28A0092B-C50C-407E-A947-70E740481C1C}">
-                <a14:useLocalDpi xmlns:a14="http://schemas.microsoft.com/office/drawing/2010/main" val="0"/>
-              </a:ext>
-            </a:extLst>
-          </a:blip>
-          <a:stretch>
-            <a:fillRect/>
-          </a:stretch>
-        </p:blipFill>
-        <p:spPr>
-          <a:xfrm>
-            <a:off x="2024441" y="1518160"/>
-            <a:ext cx="6990163" cy="4810496"/>
-          </a:xfrm>
-          <a:prstGeom prst="rect">
-            <a:avLst/>
-          </a:prstGeom>
-        </p:spPr>
-      </p:pic>
-    </p:spTree>
-    <p:extLst>
-      <p:ext uri="{BB962C8B-B14F-4D97-AF65-F5344CB8AC3E}">
-        <p14:creationId xmlns:p14="http://schemas.microsoft.com/office/powerpoint/2010/main" val="2356018359"/>
-      </p:ext>
-    </p:extLst>
-  </p:cSld>
-  <p:clrMapOvr>
-    <a:masterClrMapping/>
-  </p:clrMapOvr>
-</p:sld>
-</file>
-
-<file path=ppt/slides/slide6.xml><?xml version="1.0" encoding="utf-8"?>
-<p:sld xmlns:a="http://schemas.openxmlformats.org/drawingml/2006/main" xmlns:r="http://schemas.openxmlformats.org/officeDocument/2006/relationships" xmlns:p="http://schemas.openxmlformats.org/presentationml/2006/main">
-  <p:cSld>
-    <p:spTree>
-      <p:nvGrpSpPr>
-        <p:cNvPr id="1" name=""/>
-        <p:cNvGrpSpPr/>
-        <p:nvPr/>
-      </p:nvGrpSpPr>
-      <p:grpSpPr>
-        <a:xfrm>
-          <a:off x="0" y="0"/>
-          <a:ext cx="0" cy="0"/>
-          <a:chOff x="0" y="0"/>
-          <a:chExt cx="0" cy="0"/>
-        </a:xfrm>
-      </p:grpSpPr>
-      <p:sp>
-        <p:nvSpPr>
-          <p:cNvPr id="2" name="Title 1"/>
-          <p:cNvSpPr>
-            <a:spLocks noGrp="1"/>
-          </p:cNvSpPr>
-          <p:nvPr>
-            <p:ph type="title"/>
-          </p:nvPr>
-        </p:nvSpPr>
-        <p:spPr/>
-        <p:txBody>
-          <a:bodyPr/>
-          <a:lstStyle/>
-          <a:p>
-            <a:r>
-              <a:rPr lang="en-US" dirty="0" smtClean="0"/>
-              <a:t>Why?</a:t>
-            </a:r>
-            <a:endParaRPr lang="nl-NL" dirty="0"/>
-          </a:p>
-        </p:txBody>
-      </p:sp>
-      <p:sp>
-        <p:nvSpPr>
-          <p:cNvPr id="3" name="Content Placeholder 2"/>
-          <p:cNvSpPr>
-            <a:spLocks noGrp="1"/>
-          </p:cNvSpPr>
-          <p:nvPr>
-            <p:ph idx="1"/>
-          </p:nvPr>
-        </p:nvSpPr>
-        <p:spPr>
-          <a:xfrm>
-            <a:off x="1226388" y="1868757"/>
-            <a:ext cx="6114691" cy="2522088"/>
-          </a:xfrm>
-        </p:spPr>
-        <p:txBody>
-          <a:bodyPr>
-            <a:normAutofit/>
-          </a:bodyPr>
-          <a:lstStyle/>
-          <a:p>
-            <a:r>
-              <a:rPr lang="en-US" dirty="0" smtClean="0"/>
-              <a:t>Fix incidents more quick</a:t>
-            </a:r>
-          </a:p>
-          <a:p>
-            <a:r>
-              <a:rPr lang="en-US" dirty="0" smtClean="0"/>
-              <a:t>Give people correct information what/where/when</a:t>
-            </a:r>
-          </a:p>
-          <a:p>
-            <a:r>
-              <a:rPr lang="en-US" dirty="0" smtClean="0"/>
-              <a:t>Less delays -&gt; reduce costs</a:t>
-            </a:r>
-            <a:endParaRPr lang="nl-NL" dirty="0"/>
-          </a:p>
-        </p:txBody>
-      </p:sp>
-    </p:spTree>
-    <p:extLst>
-      <p:ext uri="{BB962C8B-B14F-4D97-AF65-F5344CB8AC3E}">
-        <p14:creationId xmlns:p14="http://schemas.microsoft.com/office/powerpoint/2010/main" val="2787040227"/>
-      </p:ext>
-    </p:extLst>
-  </p:cSld>
-  <p:clrMapOvr>
-    <a:masterClrMapping/>
-  </p:clrMapOvr>
-</p:sld>
-</file>
-
-<file path=ppt/slides/slide7.xml><?xml version="1.0" encoding="utf-8"?>
-<p:sld xmlns:a="http://schemas.openxmlformats.org/drawingml/2006/main" xmlns:r="http://schemas.openxmlformats.org/officeDocument/2006/relationships" xmlns:p="http://schemas.openxmlformats.org/presentationml/2006/main">
-  <p:cSld>
-    <p:spTree>
-      <p:nvGrpSpPr>
-        <p:cNvPr id="1" name=""/>
-        <p:cNvGrpSpPr/>
-        <p:nvPr/>
-      </p:nvGrpSpPr>
-      <p:grpSpPr>
-        <a:xfrm>
-          <a:off x="0" y="0"/>
-          <a:ext cx="0" cy="0"/>
-          <a:chOff x="0" y="0"/>
-          <a:chExt cx="0" cy="0"/>
-        </a:xfrm>
-      </p:grpSpPr>
-      <p:sp>
-        <p:nvSpPr>
-          <p:cNvPr id="2" name="Title 1"/>
-          <p:cNvSpPr>
-            <a:spLocks noGrp="1"/>
-          </p:cNvSpPr>
-          <p:nvPr>
-            <p:ph type="title"/>
-          </p:nvPr>
-        </p:nvSpPr>
-        <p:spPr/>
-        <p:txBody>
-          <a:bodyPr/>
-          <a:lstStyle/>
-          <a:p>
-            <a:r>
-              <a:rPr lang="en-US" dirty="0" smtClean="0"/>
-              <a:t>How?</a:t>
-            </a:r>
-            <a:endParaRPr lang="nl-NL" dirty="0"/>
-          </a:p>
-        </p:txBody>
-      </p:sp>
-      <p:sp>
-        <p:nvSpPr>
-          <p:cNvPr id="3" name="Content Placeholder 2"/>
-          <p:cNvSpPr>
-            <a:spLocks noGrp="1"/>
-          </p:cNvSpPr>
-          <p:nvPr>
-            <p:ph idx="1"/>
-          </p:nvPr>
-        </p:nvSpPr>
-        <p:spPr>
-          <a:xfrm>
-            <a:off x="838200" y="1825625"/>
-            <a:ext cx="9608389" cy="2539341"/>
-          </a:xfrm>
-        </p:spPr>
-        <p:txBody>
-          <a:bodyPr/>
-          <a:lstStyle/>
-          <a:p>
-            <a:r>
-              <a:rPr lang="en-US" dirty="0" smtClean="0"/>
-              <a:t>Create and fill database</a:t>
-            </a:r>
-          </a:p>
-          <a:p>
-            <a:r>
-              <a:rPr lang="en-US" dirty="0" smtClean="0"/>
-              <a:t>Create DB </a:t>
-            </a:r>
-            <a:r>
-              <a:rPr lang="en-US" dirty="0" err="1" smtClean="0"/>
-              <a:t>Bahn</a:t>
-            </a:r>
-            <a:r>
-              <a:rPr lang="en-US" dirty="0" smtClean="0"/>
-              <a:t> REST API (JSON)</a:t>
-            </a:r>
-          </a:p>
-          <a:p>
-            <a:r>
-              <a:rPr lang="en-US" dirty="0" smtClean="0"/>
-              <a:t>Create </a:t>
-            </a:r>
-            <a:r>
-              <a:rPr lang="en-US" dirty="0" err="1" smtClean="0"/>
-              <a:t>DBBahn</a:t>
-            </a:r>
-            <a:r>
-              <a:rPr lang="en-US" dirty="0" smtClean="0"/>
-              <a:t> </a:t>
-            </a:r>
-            <a:r>
-              <a:rPr lang="en-US" dirty="0" err="1" smtClean="0"/>
-              <a:t>mapservice</a:t>
-            </a:r>
-            <a:endParaRPr lang="en-US" dirty="0" smtClean="0"/>
-          </a:p>
-          <a:p>
-            <a:r>
-              <a:rPr lang="en-US" dirty="0" smtClean="0"/>
-              <a:t>Create Incident Control Room application (desktop)</a:t>
-            </a:r>
-            <a:endParaRPr lang="nl-NL" dirty="0"/>
-          </a:p>
-        </p:txBody>
-      </p:sp>
-    </p:spTree>
-    <p:extLst>
-      <p:ext uri="{BB962C8B-B14F-4D97-AF65-F5344CB8AC3E}">
-        <p14:creationId xmlns:p14="http://schemas.microsoft.com/office/powerpoint/2010/main" val="3947362152"/>
-      </p:ext>
-    </p:extLst>
-  </p:cSld>
-  <p:clrMapOvr>
-    <a:masterClrMapping/>
-  </p:clrMapOvr>
-</p:sld>
-</file>
-
-<file path=ppt/slides/slide8.xml><?xml version="1.0" encoding="utf-8"?>
-<p:sld xmlns:a="http://schemas.openxmlformats.org/drawingml/2006/main" xmlns:r="http://schemas.openxmlformats.org/officeDocument/2006/relationships" xmlns:p="http://schemas.openxmlformats.org/presentationml/2006/main">
-  <p:cSld>
-    <p:spTree>
-      <p:nvGrpSpPr>
-        <p:cNvPr id="1" name=""/>
-        <p:cNvGrpSpPr/>
-        <p:nvPr/>
-      </p:nvGrpSpPr>
-      <p:grpSpPr>
-        <a:xfrm>
-          <a:off x="0" y="0"/>
-          <a:ext cx="0" cy="0"/>
-          <a:chOff x="0" y="0"/>
-          <a:chExt cx="0" cy="0"/>
-        </a:xfrm>
-      </p:grpSpPr>
-      <p:sp>
-        <p:nvSpPr>
-          <p:cNvPr id="2" name="Title 1"/>
-          <p:cNvSpPr>
-            <a:spLocks noGrp="1"/>
-          </p:cNvSpPr>
-          <p:nvPr>
-            <p:ph type="title"/>
-          </p:nvPr>
-        </p:nvSpPr>
-        <p:spPr/>
-        <p:txBody>
-          <a:bodyPr/>
-          <a:lstStyle/>
-          <a:p>
-            <a:r>
-              <a:rPr lang="en-US" dirty="0" smtClean="0"/>
               <a:t>Data used</a:t>
             </a:r>
             <a:endParaRPr lang="nl-NL" dirty="0"/>
@@ -4291,7 +3157,7 @@
 </p:sld>
 </file>
 
-<file path=ppt/slides/slide9.xml><?xml version="1.0" encoding="utf-8"?>
+<file path=ppt/slides/slide11.xml><?xml version="1.0" encoding="utf-8"?>
 <p:sld xmlns:a="http://schemas.openxmlformats.org/drawingml/2006/main" xmlns:r="http://schemas.openxmlformats.org/officeDocument/2006/relationships" xmlns:p="http://schemas.openxmlformats.org/presentationml/2006/main">
   <p:cSld>
     <p:spTree>
@@ -4583,11 +3449,7 @@
             </a:r>
             <a:r>
               <a:rPr lang="en-US" dirty="0" smtClean="0"/>
-              <a:t> </a:t>
-            </a:r>
-            <a:r>
-              <a:rPr lang="en-US" dirty="0" smtClean="0"/>
-              <a:t>services</a:t>
+              <a:t> services</a:t>
             </a:r>
             <a:endParaRPr lang="nl-NL" dirty="0"/>
           </a:p>
@@ -4631,15 +3493,7 @@
             <a:pPr algn="ctr"/>
             <a:r>
               <a:rPr lang="en-US" dirty="0" smtClean="0"/>
-              <a:t>PostgreSQL </a:t>
-            </a:r>
-            <a:r>
-              <a:rPr lang="en-US" dirty="0" smtClean="0"/>
-              <a:t>(</a:t>
-            </a:r>
-            <a:r>
-              <a:rPr lang="en-US" dirty="0" smtClean="0"/>
-              <a:t>DB </a:t>
+              <a:t>PostgreSQL (DB </a:t>
             </a:r>
             <a:r>
               <a:rPr lang="en-US" dirty="0" err="1" smtClean="0"/>
@@ -5286,6 +4140,1324 @@
     <p:extLst>
       <p:ext uri="{BB962C8B-B14F-4D97-AF65-F5344CB8AC3E}">
         <p14:creationId xmlns:p14="http://schemas.microsoft.com/office/powerpoint/2010/main" val="1683714348"/>
+      </p:ext>
+    </p:extLst>
+  </p:cSld>
+  <p:clrMapOvr>
+    <a:masterClrMapping/>
+  </p:clrMapOvr>
+</p:sld>
+</file>
+
+<file path=ppt/slides/slide12.xml><?xml version="1.0" encoding="utf-8"?>
+<p:sld xmlns:a="http://schemas.openxmlformats.org/drawingml/2006/main" xmlns:r="http://schemas.openxmlformats.org/officeDocument/2006/relationships" xmlns:p="http://schemas.openxmlformats.org/presentationml/2006/main">
+  <p:cSld>
+    <p:spTree>
+      <p:nvGrpSpPr>
+        <p:cNvPr id="1" name=""/>
+        <p:cNvGrpSpPr/>
+        <p:nvPr/>
+      </p:nvGrpSpPr>
+      <p:grpSpPr>
+        <a:xfrm>
+          <a:off x="0" y="0"/>
+          <a:ext cx="0" cy="0"/>
+          <a:chOff x="0" y="0"/>
+          <a:chExt cx="0" cy="0"/>
+        </a:xfrm>
+      </p:grpSpPr>
+      <p:sp>
+        <p:nvSpPr>
+          <p:cNvPr id="2" name="Title 1"/>
+          <p:cNvSpPr>
+            <a:spLocks noGrp="1"/>
+          </p:cNvSpPr>
+          <p:nvPr>
+            <p:ph type="title"/>
+          </p:nvPr>
+        </p:nvSpPr>
+        <p:spPr/>
+        <p:txBody>
+          <a:bodyPr/>
+          <a:lstStyle/>
+          <a:p>
+            <a:r>
+              <a:rPr lang="en-US" dirty="0" smtClean="0"/>
+              <a:t>Techniques</a:t>
+            </a:r>
+            <a:endParaRPr lang="nl-NL" dirty="0"/>
+          </a:p>
+        </p:txBody>
+      </p:sp>
+      <p:sp>
+        <p:nvSpPr>
+          <p:cNvPr id="3" name="Content Placeholder 2"/>
+          <p:cNvSpPr>
+            <a:spLocks noGrp="1"/>
+          </p:cNvSpPr>
+          <p:nvPr>
+            <p:ph idx="1"/>
+          </p:nvPr>
+        </p:nvSpPr>
+        <p:spPr/>
+        <p:txBody>
+          <a:bodyPr/>
+          <a:lstStyle/>
+          <a:p>
+            <a:r>
+              <a:rPr lang="en-US" dirty="0" smtClean="0"/>
+              <a:t>Database: PostgreSQL + </a:t>
+            </a:r>
+            <a:r>
+              <a:rPr lang="en-US" dirty="0" err="1" smtClean="0"/>
+              <a:t>PostGIS</a:t>
+            </a:r>
+            <a:endParaRPr lang="en-US" dirty="0" smtClean="0"/>
+          </a:p>
+          <a:p>
+            <a:r>
+              <a:rPr lang="en-US" dirty="0" err="1" smtClean="0"/>
+              <a:t>Webservices</a:t>
+            </a:r>
+            <a:r>
+              <a:rPr lang="en-US" dirty="0" smtClean="0"/>
+              <a:t>: ASP.NET Web API</a:t>
+            </a:r>
+          </a:p>
+          <a:p>
+            <a:r>
+              <a:rPr lang="en-US" dirty="0" smtClean="0"/>
+              <a:t>Map: </a:t>
+            </a:r>
+            <a:r>
+              <a:rPr lang="en-US" dirty="0" err="1" smtClean="0"/>
+              <a:t>Geoserver</a:t>
+            </a:r>
+            <a:endParaRPr lang="en-US" dirty="0" smtClean="0"/>
+          </a:p>
+          <a:p>
+            <a:r>
+              <a:rPr lang="en-US" dirty="0" smtClean="0"/>
+              <a:t>Desktop: WPF + </a:t>
+            </a:r>
+            <a:r>
+              <a:rPr lang="en-US" dirty="0" err="1" smtClean="0"/>
+              <a:t>Mapsui</a:t>
+            </a:r>
+            <a:endParaRPr lang="nl-NL" dirty="0"/>
+          </a:p>
+        </p:txBody>
+      </p:sp>
+    </p:spTree>
+    <p:extLst>
+      <p:ext uri="{BB962C8B-B14F-4D97-AF65-F5344CB8AC3E}">
+        <p14:creationId xmlns:p14="http://schemas.microsoft.com/office/powerpoint/2010/main" val="3082999219"/>
+      </p:ext>
+    </p:extLst>
+  </p:cSld>
+  <p:clrMapOvr>
+    <a:masterClrMapping/>
+  </p:clrMapOvr>
+</p:sld>
+</file>
+
+<file path=ppt/slides/slide13.xml><?xml version="1.0" encoding="utf-8"?>
+<p:sld xmlns:a="http://schemas.openxmlformats.org/drawingml/2006/main" xmlns:r="http://schemas.openxmlformats.org/officeDocument/2006/relationships" xmlns:p="http://schemas.openxmlformats.org/presentationml/2006/main">
+  <p:cSld>
+    <p:spTree>
+      <p:nvGrpSpPr>
+        <p:cNvPr id="1" name=""/>
+        <p:cNvGrpSpPr/>
+        <p:nvPr/>
+      </p:nvGrpSpPr>
+      <p:grpSpPr>
+        <a:xfrm>
+          <a:off x="0" y="0"/>
+          <a:ext cx="0" cy="0"/>
+          <a:chOff x="0" y="0"/>
+          <a:chExt cx="0" cy="0"/>
+        </a:xfrm>
+      </p:grpSpPr>
+      <p:sp>
+        <p:nvSpPr>
+          <p:cNvPr id="2" name="Title 1"/>
+          <p:cNvSpPr>
+            <a:spLocks noGrp="1"/>
+          </p:cNvSpPr>
+          <p:nvPr>
+            <p:ph type="title"/>
+          </p:nvPr>
+        </p:nvSpPr>
+        <p:spPr/>
+        <p:txBody>
+          <a:bodyPr/>
+          <a:lstStyle/>
+          <a:p>
+            <a:r>
+              <a:rPr lang="en-US" dirty="0" smtClean="0"/>
+              <a:t>Future improvements</a:t>
+            </a:r>
+            <a:endParaRPr lang="nl-NL" dirty="0"/>
+          </a:p>
+        </p:txBody>
+      </p:sp>
+      <p:sp>
+        <p:nvSpPr>
+          <p:cNvPr id="3" name="Content Placeholder 2"/>
+          <p:cNvSpPr>
+            <a:spLocks noGrp="1"/>
+          </p:cNvSpPr>
+          <p:nvPr>
+            <p:ph idx="1"/>
+          </p:nvPr>
+        </p:nvSpPr>
+        <p:spPr/>
+        <p:txBody>
+          <a:bodyPr/>
+          <a:lstStyle/>
+          <a:p>
+            <a:r>
+              <a:rPr lang="en-US" dirty="0" smtClean="0"/>
+              <a:t>Display more data </a:t>
+            </a:r>
+          </a:p>
+          <a:p>
+            <a:r>
+              <a:rPr lang="en-US" dirty="0" smtClean="0"/>
+              <a:t>Extend intake form</a:t>
+            </a:r>
+          </a:p>
+          <a:p>
+            <a:r>
+              <a:rPr lang="en-US" dirty="0" smtClean="0"/>
+              <a:t>Store incident information</a:t>
+            </a:r>
+          </a:p>
+          <a:p>
+            <a:r>
+              <a:rPr lang="en-US" dirty="0" smtClean="0"/>
+              <a:t>Add more rules and </a:t>
+            </a:r>
+            <a:r>
+              <a:rPr lang="en-US" dirty="0" smtClean="0"/>
+              <a:t>notifications</a:t>
+            </a:r>
+          </a:p>
+          <a:p>
+            <a:r>
+              <a:rPr lang="en-US" dirty="0" smtClean="0"/>
+              <a:t>More clients (mobile)</a:t>
+            </a:r>
+            <a:endParaRPr lang="nl-NL" dirty="0"/>
+          </a:p>
+        </p:txBody>
+      </p:sp>
+    </p:spTree>
+    <p:extLst>
+      <p:ext uri="{BB962C8B-B14F-4D97-AF65-F5344CB8AC3E}">
+        <p14:creationId xmlns:p14="http://schemas.microsoft.com/office/powerpoint/2010/main" val="1027712373"/>
+      </p:ext>
+    </p:extLst>
+  </p:cSld>
+  <p:clrMapOvr>
+    <a:masterClrMapping/>
+  </p:clrMapOvr>
+</p:sld>
+</file>
+
+<file path=ppt/slides/slide14.xml><?xml version="1.0" encoding="utf-8"?>
+<p:sld xmlns:a="http://schemas.openxmlformats.org/drawingml/2006/main" xmlns:r="http://schemas.openxmlformats.org/officeDocument/2006/relationships" xmlns:p="http://schemas.openxmlformats.org/presentationml/2006/main">
+  <p:cSld>
+    <p:spTree>
+      <p:nvGrpSpPr>
+        <p:cNvPr id="1" name=""/>
+        <p:cNvGrpSpPr/>
+        <p:nvPr/>
+      </p:nvGrpSpPr>
+      <p:grpSpPr>
+        <a:xfrm>
+          <a:off x="0" y="0"/>
+          <a:ext cx="0" cy="0"/>
+          <a:chOff x="0" y="0"/>
+          <a:chExt cx="0" cy="0"/>
+        </a:xfrm>
+      </p:grpSpPr>
+      <p:sp>
+        <p:nvSpPr>
+          <p:cNvPr id="2" name="Title 1"/>
+          <p:cNvSpPr>
+            <a:spLocks noGrp="1"/>
+          </p:cNvSpPr>
+          <p:nvPr>
+            <p:ph type="title"/>
+          </p:nvPr>
+        </p:nvSpPr>
+        <p:spPr/>
+        <p:txBody>
+          <a:bodyPr/>
+          <a:lstStyle/>
+          <a:p>
+            <a:r>
+              <a:rPr lang="en-US" dirty="0" smtClean="0"/>
+              <a:t>Demo!</a:t>
+            </a:r>
+            <a:endParaRPr lang="nl-NL" dirty="0"/>
+          </a:p>
+        </p:txBody>
+      </p:sp>
+      <p:sp>
+        <p:nvSpPr>
+          <p:cNvPr id="3" name="Content Placeholder 2"/>
+          <p:cNvSpPr>
+            <a:spLocks noGrp="1"/>
+          </p:cNvSpPr>
+          <p:nvPr>
+            <p:ph idx="1"/>
+          </p:nvPr>
+        </p:nvSpPr>
+        <p:spPr/>
+        <p:txBody>
+          <a:bodyPr/>
+          <a:lstStyle/>
+          <a:p>
+            <a:r>
+              <a:rPr lang="en-US" dirty="0" smtClean="0"/>
+              <a:t>Intake incident</a:t>
+            </a:r>
+          </a:p>
+          <a:p>
+            <a:r>
+              <a:rPr lang="en-US" dirty="0" smtClean="0"/>
+              <a:t>Visualize incident</a:t>
+            </a:r>
+          </a:p>
+          <a:p>
+            <a:r>
+              <a:rPr lang="en-US" dirty="0" smtClean="0"/>
+              <a:t>Send SMS notifications</a:t>
+            </a:r>
+          </a:p>
+          <a:p>
+            <a:pPr marL="0" indent="0">
+              <a:buNone/>
+            </a:pPr>
+            <a:endParaRPr lang="en-US" dirty="0"/>
+          </a:p>
+          <a:p>
+            <a:pPr marL="0" indent="0">
+              <a:buNone/>
+            </a:pPr>
+            <a:endParaRPr lang="nl-NL" dirty="0"/>
+          </a:p>
+        </p:txBody>
+      </p:sp>
+    </p:spTree>
+    <p:extLst>
+      <p:ext uri="{BB962C8B-B14F-4D97-AF65-F5344CB8AC3E}">
+        <p14:creationId xmlns:p14="http://schemas.microsoft.com/office/powerpoint/2010/main" val="2152277293"/>
+      </p:ext>
+    </p:extLst>
+  </p:cSld>
+  <p:clrMapOvr>
+    <a:masterClrMapping/>
+  </p:clrMapOvr>
+</p:sld>
+</file>
+
+<file path=ppt/slides/slide15.xml><?xml version="1.0" encoding="utf-8"?>
+<p:sld xmlns:a="http://schemas.openxmlformats.org/drawingml/2006/main" xmlns:r="http://schemas.openxmlformats.org/officeDocument/2006/relationships" xmlns:p="http://schemas.openxmlformats.org/presentationml/2006/main">
+  <p:cSld>
+    <p:spTree>
+      <p:nvGrpSpPr>
+        <p:cNvPr id="1" name=""/>
+        <p:cNvGrpSpPr/>
+        <p:nvPr/>
+      </p:nvGrpSpPr>
+      <p:grpSpPr>
+        <a:xfrm>
+          <a:off x="0" y="0"/>
+          <a:ext cx="0" cy="0"/>
+          <a:chOff x="0" y="0"/>
+          <a:chExt cx="0" cy="0"/>
+        </a:xfrm>
+      </p:grpSpPr>
+      <p:sp>
+        <p:nvSpPr>
+          <p:cNvPr id="2" name="Title 1"/>
+          <p:cNvSpPr>
+            <a:spLocks noGrp="1"/>
+          </p:cNvSpPr>
+          <p:nvPr>
+            <p:ph type="title"/>
+          </p:nvPr>
+        </p:nvSpPr>
+        <p:spPr/>
+        <p:txBody>
+          <a:bodyPr/>
+          <a:lstStyle/>
+          <a:p>
+            <a:r>
+              <a:rPr lang="en-US" dirty="0" smtClean="0"/>
+              <a:t>Thanks!</a:t>
+            </a:r>
+            <a:endParaRPr lang="nl-NL" dirty="0"/>
+          </a:p>
+        </p:txBody>
+      </p:sp>
+      <p:sp>
+        <p:nvSpPr>
+          <p:cNvPr id="3" name="Content Placeholder 2"/>
+          <p:cNvSpPr>
+            <a:spLocks noGrp="1"/>
+          </p:cNvSpPr>
+          <p:nvPr>
+            <p:ph idx="1"/>
+          </p:nvPr>
+        </p:nvSpPr>
+        <p:spPr/>
+        <p:txBody>
+          <a:bodyPr/>
+          <a:lstStyle/>
+          <a:p>
+            <a:r>
+              <a:rPr lang="en-US" dirty="0" smtClean="0"/>
+              <a:t>Tim Ebben</a:t>
+            </a:r>
+          </a:p>
+          <a:p>
+            <a:pPr marL="0" indent="0">
+              <a:buNone/>
+            </a:pPr>
+            <a:r>
+              <a:rPr lang="en-US" dirty="0" smtClean="0">
+                <a:hlinkClick r:id="rId2"/>
+              </a:rPr>
+              <a:t>Tim.ebben@geodan.nl</a:t>
+            </a:r>
+            <a:endParaRPr lang="en-US" dirty="0" smtClean="0"/>
+          </a:p>
+          <a:p>
+            <a:pPr marL="0" indent="0">
+              <a:buNone/>
+            </a:pPr>
+            <a:r>
+              <a:rPr lang="en-US" dirty="0" smtClean="0"/>
+              <a:t>www.twitter.com/timebben</a:t>
+            </a:r>
+            <a:endParaRPr lang="nl-NL" dirty="0" smtClean="0"/>
+          </a:p>
+          <a:p>
+            <a:pPr marL="0" indent="0">
+              <a:buNone/>
+            </a:pPr>
+            <a:endParaRPr lang="en-US" dirty="0" smtClean="0"/>
+          </a:p>
+          <a:p>
+            <a:r>
+              <a:rPr lang="en-US" dirty="0" smtClean="0"/>
+              <a:t>Bert Temme</a:t>
+            </a:r>
+          </a:p>
+          <a:p>
+            <a:pPr marL="0" indent="0">
+              <a:buNone/>
+            </a:pPr>
+            <a:r>
+              <a:rPr lang="en-US" dirty="0" smtClean="0">
+                <a:hlinkClick r:id="rId3"/>
+              </a:rPr>
+              <a:t>Bert.temme@geodan.nl</a:t>
+            </a:r>
+            <a:endParaRPr lang="en-US" dirty="0" smtClean="0"/>
+          </a:p>
+          <a:p>
+            <a:pPr marL="0" indent="0">
+              <a:buNone/>
+            </a:pPr>
+            <a:r>
+              <a:rPr lang="en-US" dirty="0" smtClean="0"/>
+              <a:t>www.twitter.com/berttemme</a:t>
+            </a:r>
+            <a:endParaRPr lang="nl-NL" dirty="0"/>
+          </a:p>
+        </p:txBody>
+      </p:sp>
+    </p:spTree>
+    <p:extLst>
+      <p:ext uri="{BB962C8B-B14F-4D97-AF65-F5344CB8AC3E}">
+        <p14:creationId xmlns:p14="http://schemas.microsoft.com/office/powerpoint/2010/main" val="496778926"/>
+      </p:ext>
+    </p:extLst>
+  </p:cSld>
+  <p:clrMapOvr>
+    <a:masterClrMapping/>
+  </p:clrMapOvr>
+</p:sld>
+</file>
+
+<file path=ppt/slides/slide2.xml><?xml version="1.0" encoding="utf-8"?>
+<p:sld xmlns:a="http://schemas.openxmlformats.org/drawingml/2006/main" xmlns:r="http://schemas.openxmlformats.org/officeDocument/2006/relationships" xmlns:p="http://schemas.openxmlformats.org/presentationml/2006/main">
+  <p:cSld>
+    <p:spTree>
+      <p:nvGrpSpPr>
+        <p:cNvPr id="1" name=""/>
+        <p:cNvGrpSpPr/>
+        <p:nvPr/>
+      </p:nvGrpSpPr>
+      <p:grpSpPr>
+        <a:xfrm>
+          <a:off x="0" y="0"/>
+          <a:ext cx="0" cy="0"/>
+          <a:chOff x="0" y="0"/>
+          <a:chExt cx="0" cy="0"/>
+        </a:xfrm>
+      </p:grpSpPr>
+      <p:sp>
+        <p:nvSpPr>
+          <p:cNvPr id="2" name="Title 1"/>
+          <p:cNvSpPr>
+            <a:spLocks noGrp="1"/>
+          </p:cNvSpPr>
+          <p:nvPr>
+            <p:ph type="title"/>
+          </p:nvPr>
+        </p:nvSpPr>
+        <p:spPr>
+          <a:xfrm>
+            <a:off x="2071777" y="503148"/>
+            <a:ext cx="6796177" cy="1325563"/>
+          </a:xfrm>
+        </p:spPr>
+        <p:txBody>
+          <a:bodyPr/>
+          <a:lstStyle/>
+          <a:p>
+            <a:r>
+              <a:rPr lang="en-US" dirty="0" smtClean="0"/>
+              <a:t>Who?</a:t>
+            </a:r>
+            <a:endParaRPr lang="nl-NL" dirty="0"/>
+          </a:p>
+        </p:txBody>
+      </p:sp>
+      <p:sp>
+        <p:nvSpPr>
+          <p:cNvPr id="3" name="Content Placeholder 2"/>
+          <p:cNvSpPr>
+            <a:spLocks noGrp="1"/>
+          </p:cNvSpPr>
+          <p:nvPr>
+            <p:ph idx="1"/>
+          </p:nvPr>
+        </p:nvSpPr>
+        <p:spPr>
+          <a:xfrm>
+            <a:off x="2071777" y="2489859"/>
+            <a:ext cx="6252713" cy="2927530"/>
+          </a:xfrm>
+        </p:spPr>
+        <p:txBody>
+          <a:bodyPr/>
+          <a:lstStyle/>
+          <a:p>
+            <a:r>
+              <a:rPr lang="en-US" dirty="0" smtClean="0"/>
+              <a:t>Geodan </a:t>
+            </a:r>
+            <a:r>
+              <a:rPr lang="en-US" dirty="0" smtClean="0">
+                <a:hlinkClick r:id="rId2"/>
+              </a:rPr>
+              <a:t>http://www.geodan.nl</a:t>
+            </a:r>
+            <a:endParaRPr lang="en-US" dirty="0" smtClean="0"/>
+          </a:p>
+          <a:p>
+            <a:r>
+              <a:rPr lang="en-US" dirty="0" smtClean="0"/>
+              <a:t>Tim Ebben (research department) tim.ebben@geodan.nl</a:t>
+            </a:r>
+          </a:p>
+          <a:p>
+            <a:r>
+              <a:rPr lang="en-US" dirty="0" smtClean="0"/>
+              <a:t>Bert Temme (research department)</a:t>
+            </a:r>
+          </a:p>
+          <a:p>
+            <a:pPr marL="0" indent="0">
+              <a:buNone/>
+            </a:pPr>
+            <a:r>
+              <a:rPr lang="en-US" dirty="0" smtClean="0"/>
+              <a:t>   bert.temme@geodan.nl</a:t>
+            </a:r>
+            <a:endParaRPr lang="nl-NL" dirty="0"/>
+          </a:p>
+        </p:txBody>
+      </p:sp>
+    </p:spTree>
+    <p:extLst>
+      <p:ext uri="{BB962C8B-B14F-4D97-AF65-F5344CB8AC3E}">
+        <p14:creationId xmlns:p14="http://schemas.microsoft.com/office/powerpoint/2010/main" val="3783832074"/>
+      </p:ext>
+    </p:extLst>
+  </p:cSld>
+  <p:clrMapOvr>
+    <a:masterClrMapping/>
+  </p:clrMapOvr>
+</p:sld>
+</file>
+
+<file path=ppt/slides/slide3.xml><?xml version="1.0" encoding="utf-8"?>
+<p:sld xmlns:a="http://schemas.openxmlformats.org/drawingml/2006/main" xmlns:r="http://schemas.openxmlformats.org/officeDocument/2006/relationships" xmlns:p="http://schemas.openxmlformats.org/presentationml/2006/main">
+  <p:cSld>
+    <p:spTree>
+      <p:nvGrpSpPr>
+        <p:cNvPr id="1" name=""/>
+        <p:cNvGrpSpPr/>
+        <p:nvPr/>
+      </p:nvGrpSpPr>
+      <p:grpSpPr>
+        <a:xfrm>
+          <a:off x="0" y="0"/>
+          <a:ext cx="0" cy="0"/>
+          <a:chOff x="0" y="0"/>
+          <a:chExt cx="0" cy="0"/>
+        </a:xfrm>
+      </p:grpSpPr>
+      <p:sp>
+        <p:nvSpPr>
+          <p:cNvPr id="2" name="Title 1"/>
+          <p:cNvSpPr>
+            <a:spLocks noGrp="1"/>
+          </p:cNvSpPr>
+          <p:nvPr>
+            <p:ph type="title"/>
+          </p:nvPr>
+        </p:nvSpPr>
+        <p:spPr/>
+        <p:txBody>
+          <a:bodyPr/>
+          <a:lstStyle/>
+          <a:p>
+            <a:r>
+              <a:rPr lang="en-US" dirty="0" smtClean="0"/>
+              <a:t>What?</a:t>
+            </a:r>
+            <a:endParaRPr lang="nl-NL" dirty="0"/>
+          </a:p>
+        </p:txBody>
+      </p:sp>
+      <p:sp>
+        <p:nvSpPr>
+          <p:cNvPr id="3" name="Content Placeholder 2"/>
+          <p:cNvSpPr>
+            <a:spLocks noGrp="1"/>
+          </p:cNvSpPr>
+          <p:nvPr>
+            <p:ph idx="1"/>
+          </p:nvPr>
+        </p:nvSpPr>
+        <p:spPr/>
+        <p:txBody>
+          <a:bodyPr/>
+          <a:lstStyle/>
+          <a:p>
+            <a:r>
+              <a:rPr lang="en-US" dirty="0" smtClean="0"/>
+              <a:t>Incident Management Application for Control Room</a:t>
+            </a:r>
+          </a:p>
+          <a:p>
+            <a:endParaRPr lang="en-US" dirty="0" smtClean="0"/>
+          </a:p>
+          <a:p>
+            <a:r>
+              <a:rPr lang="en-US" dirty="0" smtClean="0"/>
+              <a:t>Features: </a:t>
+            </a:r>
+          </a:p>
+          <a:p>
+            <a:r>
+              <a:rPr lang="en-US" dirty="0" smtClean="0"/>
+              <a:t>Intake incident </a:t>
+            </a:r>
+          </a:p>
+          <a:p>
+            <a:r>
+              <a:rPr lang="en-US" dirty="0"/>
+              <a:t>V</a:t>
+            </a:r>
+            <a:r>
+              <a:rPr lang="en-US" dirty="0" smtClean="0"/>
+              <a:t>isualize incident in map</a:t>
+            </a:r>
+          </a:p>
+          <a:p>
+            <a:r>
+              <a:rPr lang="en-US" dirty="0" err="1" smtClean="0"/>
+              <a:t>Analyse</a:t>
+            </a:r>
+            <a:r>
+              <a:rPr lang="en-US" dirty="0" smtClean="0"/>
+              <a:t> incident</a:t>
+            </a:r>
+          </a:p>
+          <a:p>
+            <a:r>
+              <a:rPr lang="en-US" dirty="0" err="1" smtClean="0"/>
+              <a:t>Notificate</a:t>
+            </a:r>
+            <a:r>
+              <a:rPr lang="en-US" dirty="0" smtClean="0"/>
+              <a:t> people </a:t>
+            </a:r>
+          </a:p>
+          <a:p>
+            <a:pPr marL="0" indent="0">
+              <a:buNone/>
+            </a:pPr>
+            <a:endParaRPr lang="en-US" dirty="0"/>
+          </a:p>
+          <a:p>
+            <a:pPr marL="0" indent="0">
+              <a:buNone/>
+            </a:pPr>
+            <a:endParaRPr lang="nl-NL" dirty="0"/>
+          </a:p>
+        </p:txBody>
+      </p:sp>
+    </p:spTree>
+    <p:extLst>
+      <p:ext uri="{BB962C8B-B14F-4D97-AF65-F5344CB8AC3E}">
+        <p14:creationId xmlns:p14="http://schemas.microsoft.com/office/powerpoint/2010/main" val="3083622143"/>
+      </p:ext>
+    </p:extLst>
+  </p:cSld>
+  <p:clrMapOvr>
+    <a:masterClrMapping/>
+  </p:clrMapOvr>
+</p:sld>
+</file>
+
+<file path=ppt/slides/slide4.xml><?xml version="1.0" encoding="utf-8"?>
+<p:sld xmlns:a="http://schemas.openxmlformats.org/drawingml/2006/main" xmlns:r="http://schemas.openxmlformats.org/officeDocument/2006/relationships" xmlns:p="http://schemas.openxmlformats.org/presentationml/2006/main">
+  <p:cSld>
+    <p:spTree>
+      <p:nvGrpSpPr>
+        <p:cNvPr id="1" name=""/>
+        <p:cNvGrpSpPr/>
+        <p:nvPr/>
+      </p:nvGrpSpPr>
+      <p:grpSpPr>
+        <a:xfrm>
+          <a:off x="0" y="0"/>
+          <a:ext cx="0" cy="0"/>
+          <a:chOff x="0" y="0"/>
+          <a:chExt cx="0" cy="0"/>
+        </a:xfrm>
+      </p:grpSpPr>
+      <p:sp>
+        <p:nvSpPr>
+          <p:cNvPr id="2" name="Title 1"/>
+          <p:cNvSpPr>
+            <a:spLocks noGrp="1"/>
+          </p:cNvSpPr>
+          <p:nvPr>
+            <p:ph type="title"/>
+          </p:nvPr>
+        </p:nvSpPr>
+        <p:spPr/>
+        <p:txBody>
+          <a:bodyPr/>
+          <a:lstStyle/>
+          <a:p>
+            <a:r>
+              <a:rPr lang="en-US" dirty="0" smtClean="0"/>
+              <a:t>Screenshot 1</a:t>
+            </a:r>
+            <a:endParaRPr lang="nl-NL" dirty="0"/>
+          </a:p>
+        </p:txBody>
+      </p:sp>
+      <p:pic>
+        <p:nvPicPr>
+          <p:cNvPr id="4" name="Content Placeholder 3"/>
+          <p:cNvPicPr>
+            <a:picLocks noGrp="1" noChangeAspect="1"/>
+          </p:cNvPicPr>
+          <p:nvPr>
+            <p:ph idx="1"/>
+          </p:nvPr>
+        </p:nvPicPr>
+        <p:blipFill>
+          <a:blip r:embed="rId2">
+            <a:extLst>
+              <a:ext uri="{28A0092B-C50C-407E-A947-70E740481C1C}">
+                <a14:useLocalDpi xmlns:a14="http://schemas.microsoft.com/office/drawing/2010/main" val="0"/>
+              </a:ext>
+            </a:extLst>
+          </a:blip>
+          <a:stretch>
+            <a:fillRect/>
+          </a:stretch>
+        </p:blipFill>
+        <p:spPr>
+          <a:xfrm>
+            <a:off x="1533187" y="1409700"/>
+            <a:ext cx="9016655" cy="4805363"/>
+          </a:xfrm>
+          <a:ln>
+            <a:solidFill>
+              <a:schemeClr val="accent1"/>
+            </a:solidFill>
+          </a:ln>
+        </p:spPr>
+      </p:pic>
+    </p:spTree>
+    <p:extLst>
+      <p:ext uri="{BB962C8B-B14F-4D97-AF65-F5344CB8AC3E}">
+        <p14:creationId xmlns:p14="http://schemas.microsoft.com/office/powerpoint/2010/main" val="432593345"/>
+      </p:ext>
+    </p:extLst>
+  </p:cSld>
+  <p:clrMapOvr>
+    <a:masterClrMapping/>
+  </p:clrMapOvr>
+</p:sld>
+</file>
+
+<file path=ppt/slides/slide5.xml><?xml version="1.0" encoding="utf-8"?>
+<p:sld xmlns:a="http://schemas.openxmlformats.org/drawingml/2006/main" xmlns:r="http://schemas.openxmlformats.org/officeDocument/2006/relationships" xmlns:p="http://schemas.openxmlformats.org/presentationml/2006/main">
+  <p:cSld>
+    <p:spTree>
+      <p:nvGrpSpPr>
+        <p:cNvPr id="1" name=""/>
+        <p:cNvGrpSpPr/>
+        <p:nvPr/>
+      </p:nvGrpSpPr>
+      <p:grpSpPr>
+        <a:xfrm>
+          <a:off x="0" y="0"/>
+          <a:ext cx="0" cy="0"/>
+          <a:chOff x="0" y="0"/>
+          <a:chExt cx="0" cy="0"/>
+        </a:xfrm>
+      </p:grpSpPr>
+      <p:sp>
+        <p:nvSpPr>
+          <p:cNvPr id="2" name="Title 1"/>
+          <p:cNvSpPr>
+            <a:spLocks noGrp="1"/>
+          </p:cNvSpPr>
+          <p:nvPr>
+            <p:ph type="title"/>
+          </p:nvPr>
+        </p:nvSpPr>
+        <p:spPr/>
+        <p:txBody>
+          <a:bodyPr/>
+          <a:lstStyle/>
+          <a:p>
+            <a:r>
+              <a:rPr lang="en-US" dirty="0" smtClean="0"/>
+              <a:t>Screenshot 2</a:t>
+            </a:r>
+            <a:endParaRPr lang="nl-NL" dirty="0"/>
+          </a:p>
+        </p:txBody>
+      </p:sp>
+      <p:pic>
+        <p:nvPicPr>
+          <p:cNvPr id="4" name="Content Placeholder 3"/>
+          <p:cNvPicPr>
+            <a:picLocks noGrp="1" noChangeAspect="1"/>
+          </p:cNvPicPr>
+          <p:nvPr>
+            <p:ph idx="1"/>
+          </p:nvPr>
+        </p:nvPicPr>
+        <p:blipFill>
+          <a:blip r:embed="rId2">
+            <a:extLst>
+              <a:ext uri="{28A0092B-C50C-407E-A947-70E740481C1C}">
+                <a14:useLocalDpi xmlns:a14="http://schemas.microsoft.com/office/drawing/2010/main" val="0"/>
+              </a:ext>
+            </a:extLst>
+          </a:blip>
+          <a:stretch>
+            <a:fillRect/>
+          </a:stretch>
+        </p:blipFill>
+        <p:spPr>
+          <a:xfrm>
+            <a:off x="1125968" y="1352550"/>
+            <a:ext cx="9052400" cy="4824413"/>
+          </a:xfrm>
+          <a:ln>
+            <a:solidFill>
+              <a:schemeClr val="accent1"/>
+            </a:solidFill>
+          </a:ln>
+        </p:spPr>
+      </p:pic>
+    </p:spTree>
+    <p:extLst>
+      <p:ext uri="{BB962C8B-B14F-4D97-AF65-F5344CB8AC3E}">
+        <p14:creationId xmlns:p14="http://schemas.microsoft.com/office/powerpoint/2010/main" val="2695980073"/>
+      </p:ext>
+    </p:extLst>
+  </p:cSld>
+  <p:clrMapOvr>
+    <a:masterClrMapping/>
+  </p:clrMapOvr>
+</p:sld>
+</file>
+
+<file path=ppt/slides/slide6.xml><?xml version="1.0" encoding="utf-8"?>
+<p:sld xmlns:a="http://schemas.openxmlformats.org/drawingml/2006/main" xmlns:r="http://schemas.openxmlformats.org/officeDocument/2006/relationships" xmlns:p="http://schemas.openxmlformats.org/presentationml/2006/main">
+  <p:cSld>
+    <p:spTree>
+      <p:nvGrpSpPr>
+        <p:cNvPr id="1" name=""/>
+        <p:cNvGrpSpPr/>
+        <p:nvPr/>
+      </p:nvGrpSpPr>
+      <p:grpSpPr>
+        <a:xfrm>
+          <a:off x="0" y="0"/>
+          <a:ext cx="0" cy="0"/>
+          <a:chOff x="0" y="0"/>
+          <a:chExt cx="0" cy="0"/>
+        </a:xfrm>
+      </p:grpSpPr>
+      <p:sp>
+        <p:nvSpPr>
+          <p:cNvPr id="2" name="Title 1"/>
+          <p:cNvSpPr>
+            <a:spLocks noGrp="1"/>
+          </p:cNvSpPr>
+          <p:nvPr>
+            <p:ph type="title"/>
+          </p:nvPr>
+        </p:nvSpPr>
+        <p:spPr/>
+        <p:txBody>
+          <a:bodyPr/>
+          <a:lstStyle/>
+          <a:p>
+            <a:r>
+              <a:rPr lang="en-US" dirty="0" err="1" smtClean="0"/>
+              <a:t>SpoorWeb</a:t>
+            </a:r>
+            <a:r>
+              <a:rPr lang="en-US" dirty="0" smtClean="0"/>
+              <a:t> at </a:t>
+            </a:r>
+            <a:r>
+              <a:rPr lang="en-US" dirty="0" err="1" smtClean="0"/>
+              <a:t>ProRail</a:t>
+            </a:r>
+            <a:endParaRPr lang="nl-NL" dirty="0"/>
+          </a:p>
+        </p:txBody>
+      </p:sp>
+      <p:sp>
+        <p:nvSpPr>
+          <p:cNvPr id="3" name="Content Placeholder 2"/>
+          <p:cNvSpPr>
+            <a:spLocks noGrp="1"/>
+          </p:cNvSpPr>
+          <p:nvPr>
+            <p:ph idx="1"/>
+          </p:nvPr>
+        </p:nvSpPr>
+        <p:spPr/>
+        <p:txBody>
+          <a:bodyPr/>
+          <a:lstStyle/>
+          <a:p>
+            <a:endParaRPr lang="en-US" dirty="0"/>
+          </a:p>
+          <a:p>
+            <a:endParaRPr lang="nl-NL" dirty="0"/>
+          </a:p>
+        </p:txBody>
+      </p:sp>
+      <p:pic>
+        <p:nvPicPr>
+          <p:cNvPr id="4" name="Picture 3"/>
+          <p:cNvPicPr>
+            <a:picLocks noChangeAspect="1"/>
+          </p:cNvPicPr>
+          <p:nvPr/>
+        </p:nvPicPr>
+        <p:blipFill>
+          <a:blip r:embed="rId2">
+            <a:extLst>
+              <a:ext uri="{28A0092B-C50C-407E-A947-70E740481C1C}">
+                <a14:useLocalDpi xmlns:a14="http://schemas.microsoft.com/office/drawing/2010/main" val="0"/>
+              </a:ext>
+            </a:extLst>
+          </a:blip>
+          <a:stretch>
+            <a:fillRect/>
+          </a:stretch>
+        </p:blipFill>
+        <p:spPr>
+          <a:xfrm>
+            <a:off x="683422" y="1423359"/>
+            <a:ext cx="8175906" cy="4596676"/>
+          </a:xfrm>
+          <a:prstGeom prst="rect">
+            <a:avLst/>
+          </a:prstGeom>
+        </p:spPr>
+      </p:pic>
+      <p:sp>
+        <p:nvSpPr>
+          <p:cNvPr id="5" name="TextBox 4"/>
+          <p:cNvSpPr txBox="1"/>
+          <p:nvPr/>
+        </p:nvSpPr>
+        <p:spPr>
+          <a:xfrm>
+            <a:off x="838200" y="6176963"/>
+            <a:ext cx="8153194" cy="646331"/>
+          </a:xfrm>
+          <a:prstGeom prst="rect">
+            <a:avLst/>
+          </a:prstGeom>
+          <a:noFill/>
+        </p:spPr>
+        <p:txBody>
+          <a:bodyPr wrap="none" rtlCol="0">
+            <a:spAutoFit/>
+          </a:bodyPr>
+          <a:lstStyle/>
+          <a:p>
+            <a:r>
+              <a:rPr lang="en-US" dirty="0" smtClean="0"/>
+              <a:t>More info: </a:t>
+            </a:r>
+            <a:r>
+              <a:rPr lang="en-US" dirty="0" smtClean="0">
+                <a:hlinkClick r:id="rId3"/>
+              </a:rPr>
+              <a:t>http://www.geodan.com/solutions/incident-management-system-prorail/</a:t>
+            </a:r>
+            <a:endParaRPr lang="en-US" dirty="0" smtClean="0"/>
+          </a:p>
+          <a:p>
+            <a:endParaRPr lang="nl-NL" dirty="0"/>
+          </a:p>
+        </p:txBody>
+      </p:sp>
+    </p:spTree>
+    <p:extLst>
+      <p:ext uri="{BB962C8B-B14F-4D97-AF65-F5344CB8AC3E}">
+        <p14:creationId xmlns:p14="http://schemas.microsoft.com/office/powerpoint/2010/main" val="3742308755"/>
+      </p:ext>
+    </p:extLst>
+  </p:cSld>
+  <p:clrMapOvr>
+    <a:masterClrMapping/>
+  </p:clrMapOvr>
+</p:sld>
+</file>
+
+<file path=ppt/slides/slide7.xml><?xml version="1.0" encoding="utf-8"?>
+<p:sld xmlns:a="http://schemas.openxmlformats.org/drawingml/2006/main" xmlns:r="http://schemas.openxmlformats.org/officeDocument/2006/relationships" xmlns:p="http://schemas.openxmlformats.org/presentationml/2006/main">
+  <p:cSld>
+    <p:spTree>
+      <p:nvGrpSpPr>
+        <p:cNvPr id="1" name=""/>
+        <p:cNvGrpSpPr/>
+        <p:nvPr/>
+      </p:nvGrpSpPr>
+      <p:grpSpPr>
+        <a:xfrm>
+          <a:off x="0" y="0"/>
+          <a:ext cx="0" cy="0"/>
+          <a:chOff x="0" y="0"/>
+          <a:chExt cx="0" cy="0"/>
+        </a:xfrm>
+      </p:grpSpPr>
+      <p:sp>
+        <p:nvSpPr>
+          <p:cNvPr id="2" name="Title 1"/>
+          <p:cNvSpPr>
+            <a:spLocks noGrp="1"/>
+          </p:cNvSpPr>
+          <p:nvPr>
+            <p:ph type="title"/>
+          </p:nvPr>
+        </p:nvSpPr>
+        <p:spPr/>
+        <p:txBody>
+          <a:bodyPr/>
+          <a:lstStyle/>
+          <a:p>
+            <a:r>
+              <a:rPr lang="nl-NL" dirty="0" smtClean="0">
+                <a:effectLst/>
+              </a:rPr>
+              <a:t>Spoorweb at Rail Operating Centre (ROC) in York</a:t>
+            </a:r>
+            <a:endParaRPr lang="nl-NL" dirty="0"/>
+          </a:p>
+        </p:txBody>
+      </p:sp>
+      <p:pic>
+        <p:nvPicPr>
+          <p:cNvPr id="4" name="Picture 3"/>
+          <p:cNvPicPr>
+            <a:picLocks noChangeAspect="1"/>
+          </p:cNvPicPr>
+          <p:nvPr/>
+        </p:nvPicPr>
+        <p:blipFill>
+          <a:blip r:embed="rId2">
+            <a:extLst>
+              <a:ext uri="{28A0092B-C50C-407E-A947-70E740481C1C}">
+                <a14:useLocalDpi xmlns:a14="http://schemas.microsoft.com/office/drawing/2010/main" val="0"/>
+              </a:ext>
+            </a:extLst>
+          </a:blip>
+          <a:stretch>
+            <a:fillRect/>
+          </a:stretch>
+        </p:blipFill>
+        <p:spPr>
+          <a:xfrm>
+            <a:off x="2024441" y="1518160"/>
+            <a:ext cx="6990163" cy="4810496"/>
+          </a:xfrm>
+          <a:prstGeom prst="rect">
+            <a:avLst/>
+          </a:prstGeom>
+        </p:spPr>
+      </p:pic>
+    </p:spTree>
+    <p:extLst>
+      <p:ext uri="{BB962C8B-B14F-4D97-AF65-F5344CB8AC3E}">
+        <p14:creationId xmlns:p14="http://schemas.microsoft.com/office/powerpoint/2010/main" val="2356018359"/>
+      </p:ext>
+    </p:extLst>
+  </p:cSld>
+  <p:clrMapOvr>
+    <a:masterClrMapping/>
+  </p:clrMapOvr>
+</p:sld>
+</file>
+
+<file path=ppt/slides/slide8.xml><?xml version="1.0" encoding="utf-8"?>
+<p:sld xmlns:a="http://schemas.openxmlformats.org/drawingml/2006/main" xmlns:r="http://schemas.openxmlformats.org/officeDocument/2006/relationships" xmlns:p="http://schemas.openxmlformats.org/presentationml/2006/main">
+  <p:cSld>
+    <p:spTree>
+      <p:nvGrpSpPr>
+        <p:cNvPr id="1" name=""/>
+        <p:cNvGrpSpPr/>
+        <p:nvPr/>
+      </p:nvGrpSpPr>
+      <p:grpSpPr>
+        <a:xfrm>
+          <a:off x="0" y="0"/>
+          <a:ext cx="0" cy="0"/>
+          <a:chOff x="0" y="0"/>
+          <a:chExt cx="0" cy="0"/>
+        </a:xfrm>
+      </p:grpSpPr>
+      <p:sp>
+        <p:nvSpPr>
+          <p:cNvPr id="2" name="Title 1"/>
+          <p:cNvSpPr>
+            <a:spLocks noGrp="1"/>
+          </p:cNvSpPr>
+          <p:nvPr>
+            <p:ph type="title"/>
+          </p:nvPr>
+        </p:nvSpPr>
+        <p:spPr/>
+        <p:txBody>
+          <a:bodyPr/>
+          <a:lstStyle/>
+          <a:p>
+            <a:r>
+              <a:rPr lang="en-US" dirty="0" smtClean="0"/>
+              <a:t>Why?</a:t>
+            </a:r>
+            <a:endParaRPr lang="nl-NL" dirty="0"/>
+          </a:p>
+        </p:txBody>
+      </p:sp>
+      <p:sp>
+        <p:nvSpPr>
+          <p:cNvPr id="3" name="Content Placeholder 2"/>
+          <p:cNvSpPr>
+            <a:spLocks noGrp="1"/>
+          </p:cNvSpPr>
+          <p:nvPr>
+            <p:ph idx="1"/>
+          </p:nvPr>
+        </p:nvSpPr>
+        <p:spPr>
+          <a:xfrm>
+            <a:off x="1226388" y="1868757"/>
+            <a:ext cx="6114691" cy="2522088"/>
+          </a:xfrm>
+        </p:spPr>
+        <p:txBody>
+          <a:bodyPr>
+            <a:normAutofit/>
+          </a:bodyPr>
+          <a:lstStyle/>
+          <a:p>
+            <a:r>
+              <a:rPr lang="en-US" dirty="0" smtClean="0"/>
+              <a:t>Fix incidents more quick</a:t>
+            </a:r>
+          </a:p>
+          <a:p>
+            <a:r>
+              <a:rPr lang="en-US" dirty="0" smtClean="0"/>
+              <a:t>Give people correct information what/where/when</a:t>
+            </a:r>
+          </a:p>
+          <a:p>
+            <a:r>
+              <a:rPr lang="en-US" dirty="0" smtClean="0"/>
+              <a:t>Less delays -&gt; reduce costs</a:t>
+            </a:r>
+            <a:endParaRPr lang="nl-NL" dirty="0"/>
+          </a:p>
+        </p:txBody>
+      </p:sp>
+    </p:spTree>
+    <p:extLst>
+      <p:ext uri="{BB962C8B-B14F-4D97-AF65-F5344CB8AC3E}">
+        <p14:creationId xmlns:p14="http://schemas.microsoft.com/office/powerpoint/2010/main" val="2787040227"/>
+      </p:ext>
+    </p:extLst>
+  </p:cSld>
+  <p:clrMapOvr>
+    <a:masterClrMapping/>
+  </p:clrMapOvr>
+</p:sld>
+</file>
+
+<file path=ppt/slides/slide9.xml><?xml version="1.0" encoding="utf-8"?>
+<p:sld xmlns:a="http://schemas.openxmlformats.org/drawingml/2006/main" xmlns:r="http://schemas.openxmlformats.org/officeDocument/2006/relationships" xmlns:p="http://schemas.openxmlformats.org/presentationml/2006/main">
+  <p:cSld>
+    <p:spTree>
+      <p:nvGrpSpPr>
+        <p:cNvPr id="1" name=""/>
+        <p:cNvGrpSpPr/>
+        <p:nvPr/>
+      </p:nvGrpSpPr>
+      <p:grpSpPr>
+        <a:xfrm>
+          <a:off x="0" y="0"/>
+          <a:ext cx="0" cy="0"/>
+          <a:chOff x="0" y="0"/>
+          <a:chExt cx="0" cy="0"/>
+        </a:xfrm>
+      </p:grpSpPr>
+      <p:sp>
+        <p:nvSpPr>
+          <p:cNvPr id="2" name="Title 1"/>
+          <p:cNvSpPr>
+            <a:spLocks noGrp="1"/>
+          </p:cNvSpPr>
+          <p:nvPr>
+            <p:ph type="title"/>
+          </p:nvPr>
+        </p:nvSpPr>
+        <p:spPr/>
+        <p:txBody>
+          <a:bodyPr/>
+          <a:lstStyle/>
+          <a:p>
+            <a:r>
+              <a:rPr lang="en-US" dirty="0" smtClean="0"/>
+              <a:t>How?</a:t>
+            </a:r>
+            <a:endParaRPr lang="nl-NL" dirty="0"/>
+          </a:p>
+        </p:txBody>
+      </p:sp>
+      <p:sp>
+        <p:nvSpPr>
+          <p:cNvPr id="3" name="Content Placeholder 2"/>
+          <p:cNvSpPr>
+            <a:spLocks noGrp="1"/>
+          </p:cNvSpPr>
+          <p:nvPr>
+            <p:ph idx="1"/>
+          </p:nvPr>
+        </p:nvSpPr>
+        <p:spPr>
+          <a:xfrm>
+            <a:off x="838200" y="1825625"/>
+            <a:ext cx="9608389" cy="2539341"/>
+          </a:xfrm>
+        </p:spPr>
+        <p:txBody>
+          <a:bodyPr/>
+          <a:lstStyle/>
+          <a:p>
+            <a:r>
+              <a:rPr lang="en-US" dirty="0" smtClean="0"/>
+              <a:t>Create and fill database</a:t>
+            </a:r>
+          </a:p>
+          <a:p>
+            <a:r>
+              <a:rPr lang="en-US" dirty="0" smtClean="0"/>
+              <a:t>Create DB </a:t>
+            </a:r>
+            <a:r>
+              <a:rPr lang="en-US" dirty="0" err="1" smtClean="0"/>
+              <a:t>Bahn</a:t>
+            </a:r>
+            <a:r>
+              <a:rPr lang="en-US" dirty="0" smtClean="0"/>
+              <a:t> REST API (JSON)</a:t>
+            </a:r>
+          </a:p>
+          <a:p>
+            <a:r>
+              <a:rPr lang="en-US" dirty="0" smtClean="0"/>
+              <a:t>Create </a:t>
+            </a:r>
+            <a:r>
+              <a:rPr lang="en-US" dirty="0" err="1" smtClean="0"/>
+              <a:t>DBBahn</a:t>
+            </a:r>
+            <a:r>
+              <a:rPr lang="en-US" dirty="0" smtClean="0"/>
+              <a:t> </a:t>
+            </a:r>
+            <a:r>
+              <a:rPr lang="en-US" dirty="0" err="1" smtClean="0"/>
+              <a:t>mapservice</a:t>
+            </a:r>
+            <a:endParaRPr lang="en-US" dirty="0" smtClean="0"/>
+          </a:p>
+          <a:p>
+            <a:r>
+              <a:rPr lang="en-US" dirty="0" smtClean="0"/>
+              <a:t>Create Incident Control Room application (desktop)</a:t>
+            </a:r>
+            <a:endParaRPr lang="nl-NL" dirty="0"/>
+          </a:p>
+        </p:txBody>
+      </p:sp>
+    </p:spTree>
+    <p:extLst>
+      <p:ext uri="{BB962C8B-B14F-4D97-AF65-F5344CB8AC3E}">
+        <p14:creationId xmlns:p14="http://schemas.microsoft.com/office/powerpoint/2010/main" val="3947362152"/>
       </p:ext>
     </p:extLst>
   </p:cSld>

--- a/doc/Presentation team Geodan.pptx
+++ b/doc/Presentation team Geodan.pptx
@@ -4336,11 +4336,7 @@
           <a:p>
             <a:r>
               <a:rPr lang="en-US" dirty="0" smtClean="0"/>
-              <a:t>Add more rules and </a:t>
-            </a:r>
-            <a:r>
-              <a:rPr lang="en-US" dirty="0" smtClean="0"/>
-              <a:t>notifications</a:t>
+              <a:t>Add more rules and notifications</a:t>
             </a:r>
           </a:p>
           <a:p>
@@ -4434,8 +4430,91 @@
           <a:p>
             <a:r>
               <a:rPr lang="en-US" dirty="0" smtClean="0"/>
-              <a:t>Send SMS notifications</a:t>
-            </a:r>
+              <a:t>Send SMS </a:t>
+            </a:r>
+            <a:r>
+              <a:rPr lang="en-US" dirty="0" smtClean="0"/>
+              <a:t>notifications</a:t>
+            </a:r>
+          </a:p>
+          <a:p>
+            <a:endParaRPr lang="en-US" dirty="0"/>
+          </a:p>
+          <a:p>
+            <a:pPr marL="0" indent="0">
+              <a:buNone/>
+            </a:pPr>
+            <a:r>
+              <a:rPr lang="en-US" dirty="0" smtClean="0"/>
+              <a:t>Incident sample:</a:t>
+            </a:r>
+          </a:p>
+          <a:p>
+            <a:pPr marL="0" indent="0">
+              <a:buNone/>
+            </a:pPr>
+            <a:r>
+              <a:rPr lang="en-US" dirty="0" err="1" smtClean="0"/>
+              <a:t>Bahnstrecke</a:t>
+            </a:r>
+            <a:r>
+              <a:rPr lang="en-US" dirty="0" smtClean="0"/>
+              <a:t> 1000 </a:t>
+            </a:r>
+            <a:r>
+              <a:rPr lang="en-US" dirty="0" err="1" smtClean="0"/>
+              <a:t>kilometerpoint</a:t>
+            </a:r>
+            <a:r>
+              <a:rPr lang="en-US" dirty="0" smtClean="0"/>
+              <a:t> 174</a:t>
+            </a:r>
+          </a:p>
+          <a:p>
+            <a:pPr marL="0" indent="0">
+              <a:buNone/>
+            </a:pPr>
+            <a:r>
+              <a:rPr lang="en-US" dirty="0" smtClean="0"/>
+              <a:t>Incident tunnel sample</a:t>
+            </a:r>
+          </a:p>
+          <a:p>
+            <a:pPr marL="0" indent="0">
+              <a:buNone/>
+            </a:pPr>
+            <a:r>
+              <a:rPr lang="en-US" dirty="0" err="1"/>
+              <a:t>Bahnstrecke</a:t>
+            </a:r>
+            <a:r>
+              <a:rPr lang="en-US" dirty="0"/>
+              <a:t> </a:t>
+            </a:r>
+            <a:r>
+              <a:rPr lang="en-US" dirty="0" smtClean="0"/>
+              <a:t>6134 </a:t>
+            </a:r>
+            <a:r>
+              <a:rPr lang="en-US" dirty="0" err="1"/>
+              <a:t>kilometerpoint</a:t>
+            </a:r>
+            <a:r>
+              <a:rPr lang="en-US" dirty="0"/>
+              <a:t> 2</a:t>
+            </a:r>
+          </a:p>
+          <a:p>
+            <a:pPr marL="0" indent="0">
+              <a:buNone/>
+            </a:pPr>
+            <a:endParaRPr lang="en-US" dirty="0" smtClean="0"/>
+          </a:p>
+          <a:p>
+            <a:pPr marL="0" indent="0">
+              <a:buNone/>
+            </a:pPr>
+            <a:endParaRPr lang="en-US" dirty="0" smtClean="0"/>
           </a:p>
           <a:p>
             <a:pPr marL="0" indent="0">
@@ -4761,30 +4840,59 @@
         </p:nvSpPr>
         <p:spPr/>
         <p:txBody>
-          <a:bodyPr/>
-          <a:lstStyle/>
-          <a:p>
-            <a:r>
-              <a:rPr lang="en-US" dirty="0" smtClean="0"/>
-              <a:t>Incident Management Application for Control Room</a:t>
-            </a:r>
-          </a:p>
-          <a:p>
+          <a:bodyPr>
+            <a:normAutofit/>
+          </a:bodyPr>
+          <a:lstStyle/>
+          <a:p>
+            <a:r>
+              <a:rPr lang="en-US" dirty="0" smtClean="0"/>
+              <a:t>Incident Management Application for Control </a:t>
+            </a:r>
+            <a:r>
+              <a:rPr lang="en-US" dirty="0" smtClean="0"/>
+              <a:t>Room</a:t>
+            </a:r>
+          </a:p>
+          <a:p>
+            <a:pPr marL="0" indent="0">
+              <a:buNone/>
+            </a:pPr>
+            <a:r>
+              <a:rPr lang="en-US" dirty="0">
+                <a:hlinkClick r:id="rId2"/>
+              </a:rPr>
+              <a:t>https://github.com/Geodan/DBHackathon2015</a:t>
+            </a:r>
+            <a:r>
+              <a:rPr lang="en-US" dirty="0" smtClean="0">
+                <a:hlinkClick r:id="rId2"/>
+              </a:rPr>
+              <a:t>/</a:t>
+            </a:r>
             <a:endParaRPr lang="en-US" dirty="0" smtClean="0"/>
           </a:p>
           <a:p>
+            <a:pPr marL="0" indent="0">
+              <a:buNone/>
+            </a:pPr>
+            <a:endParaRPr lang="en-US" dirty="0" smtClean="0"/>
+          </a:p>
+          <a:p>
             <a:r>
               <a:rPr lang="en-US" dirty="0" smtClean="0"/>
               <a:t>Features: </a:t>
             </a:r>
           </a:p>
           <a:p>
+            <a:pPr lvl="1"/>
             <a:r>
               <a:rPr lang="en-US" dirty="0" smtClean="0"/>
               <a:t>Intake incident </a:t>
             </a:r>
           </a:p>
           <a:p>
+            <a:pPr lvl="1"/>
             <a:r>
               <a:rPr lang="en-US" dirty="0"/>
               <a:t>V</a:t>
@@ -4795,6 +4903,7 @@
             </a:r>
           </a:p>
           <a:p>
+            <a:pPr lvl="1"/>
             <a:r>
               <a:rPr lang="en-US" dirty="0" err="1" smtClean="0"/>
               <a:t>Analyse</a:t>
@@ -4805,6 +4914,7 @@
             </a:r>
           </a:p>
           <a:p>
+            <a:pPr lvl="1"/>
             <a:r>
               <a:rPr lang="en-US" dirty="0" err="1" smtClean="0"/>
               <a:t>Notificate</a:t>
@@ -5316,8 +5426,13 @@
           <a:p>
             <a:r>
               <a:rPr lang="en-US" dirty="0" smtClean="0"/>
-              <a:t>Fix incidents more quick</a:t>
-            </a:r>
+              <a:t>Fix incidents more </a:t>
+            </a:r>
+            <a:r>
+              <a:rPr lang="en-US" dirty="0" smtClean="0"/>
+              <a:t>quickly</a:t>
+            </a:r>
+            <a:endParaRPr lang="en-US" dirty="0" smtClean="0"/>
           </a:p>
           <a:p>
             <a:r>
